--- a/clases/Cap02_Extraccion_de_Caracteristicas/presentations/PAT02_IntensityFeatures.pptx
+++ b/clases/Cap02_Extraccion_de_Caracteristicas/presentations/PAT02_IntensityFeatures.pptx
@@ -214,7 +214,7 @@
             <a:fld id="{6331132F-6757-456E-A169-DFC25AF282F4}" type="datetimeFigureOut">
               <a:rPr lang="es-CL" smtClean="0"/>
               <a:pPr/>
-              <a:t>20-03-18</a:t>
+              <a:t>07-03-19</a:t>
             </a:fld>
             <a:endParaRPr lang="es-CL"/>
           </a:p>
@@ -755,7 +755,7 @@
             <a:fld id="{CBB330BB-3945-4562-998B-13630C30D4E7}" type="datetimeFigureOut">
               <a:rPr lang="es-CL" smtClean="0"/>
               <a:pPr/>
-              <a:t>20-03-18</a:t>
+              <a:t>07-03-19</a:t>
             </a:fld>
             <a:endParaRPr lang="es-CL"/>
           </a:p>
@@ -922,7 +922,7 @@
             <a:fld id="{CBB330BB-3945-4562-998B-13630C30D4E7}" type="datetimeFigureOut">
               <a:rPr lang="es-CL" smtClean="0"/>
               <a:pPr/>
-              <a:t>20-03-18</a:t>
+              <a:t>07-03-19</a:t>
             </a:fld>
             <a:endParaRPr lang="es-CL"/>
           </a:p>
@@ -1099,7 +1099,7 @@
             <a:fld id="{CBB330BB-3945-4562-998B-13630C30D4E7}" type="datetimeFigureOut">
               <a:rPr lang="es-CL" smtClean="0"/>
               <a:pPr/>
-              <a:t>20-03-18</a:t>
+              <a:t>07-03-19</a:t>
             </a:fld>
             <a:endParaRPr lang="es-CL"/>
           </a:p>
@@ -1266,7 +1266,7 @@
             <a:fld id="{CBB330BB-3945-4562-998B-13630C30D4E7}" type="datetimeFigureOut">
               <a:rPr lang="es-CL" smtClean="0"/>
               <a:pPr/>
-              <a:t>20-03-18</a:t>
+              <a:t>07-03-19</a:t>
             </a:fld>
             <a:endParaRPr lang="es-CL"/>
           </a:p>
@@ -1509,7 +1509,7 @@
             <a:fld id="{CBB330BB-3945-4562-998B-13630C30D4E7}" type="datetimeFigureOut">
               <a:rPr lang="es-CL" smtClean="0"/>
               <a:pPr/>
-              <a:t>20-03-18</a:t>
+              <a:t>07-03-19</a:t>
             </a:fld>
             <a:endParaRPr lang="es-CL"/>
           </a:p>
@@ -1794,7 +1794,7 @@
             <a:fld id="{CBB330BB-3945-4562-998B-13630C30D4E7}" type="datetimeFigureOut">
               <a:rPr lang="es-CL" smtClean="0"/>
               <a:pPr/>
-              <a:t>20-03-18</a:t>
+              <a:t>07-03-19</a:t>
             </a:fld>
             <a:endParaRPr lang="es-CL"/>
           </a:p>
@@ -2213,7 +2213,7 @@
             <a:fld id="{CBB330BB-3945-4562-998B-13630C30D4E7}" type="datetimeFigureOut">
               <a:rPr lang="es-CL" smtClean="0"/>
               <a:pPr/>
-              <a:t>20-03-18</a:t>
+              <a:t>07-03-19</a:t>
             </a:fld>
             <a:endParaRPr lang="es-CL"/>
           </a:p>
@@ -2328,7 +2328,7 @@
             <a:fld id="{CBB330BB-3945-4562-998B-13630C30D4E7}" type="datetimeFigureOut">
               <a:rPr lang="es-CL" smtClean="0"/>
               <a:pPr/>
-              <a:t>20-03-18</a:t>
+              <a:t>07-03-19</a:t>
             </a:fld>
             <a:endParaRPr lang="es-CL"/>
           </a:p>
@@ -2420,7 +2420,7 @@
             <a:fld id="{CBB330BB-3945-4562-998B-13630C30D4E7}" type="datetimeFigureOut">
               <a:rPr lang="es-CL" smtClean="0"/>
               <a:pPr/>
-              <a:t>20-03-18</a:t>
+              <a:t>07-03-19</a:t>
             </a:fld>
             <a:endParaRPr lang="es-CL"/>
           </a:p>
@@ -2694,7 +2694,7 @@
             <a:fld id="{CBB330BB-3945-4562-998B-13630C30D4E7}" type="datetimeFigureOut">
               <a:rPr lang="es-CL" smtClean="0"/>
               <a:pPr/>
-              <a:t>20-03-18</a:t>
+              <a:t>07-03-19</a:t>
             </a:fld>
             <a:endParaRPr lang="es-CL"/>
           </a:p>
@@ -2944,7 +2944,7 @@
             <a:fld id="{CBB330BB-3945-4562-998B-13630C30D4E7}" type="datetimeFigureOut">
               <a:rPr lang="es-CL" smtClean="0"/>
               <a:pPr/>
-              <a:t>20-03-18</a:t>
+              <a:t>07-03-19</a:t>
             </a:fld>
             <a:endParaRPr lang="es-CL"/>
           </a:p>
@@ -3154,7 +3154,7 @@
             <a:fld id="{CBB330BB-3945-4562-998B-13630C30D4E7}" type="datetimeFigureOut">
               <a:rPr lang="es-CL" smtClean="0"/>
               <a:pPr/>
-              <a:t>20-03-18</a:t>
+              <a:t>07-03-19</a:t>
             </a:fld>
             <a:endParaRPr lang="es-CL"/>
           </a:p>
@@ -3950,28 +3950,6 @@
           </a:p>
           <a:p>
             <a:pPr algn="ctr"/>
-            <a:r>
-              <a:rPr lang="es-CL" sz="1200" dirty="0" smtClean="0">
-                <a:solidFill>
-                  <a:schemeClr val="bg1">
-                    <a:lumMod val="75000"/>
-                  </a:schemeClr>
-                </a:solidFill>
-                <a:latin typeface="Trebuchet MS" pitchFamily="34" charset="0"/>
-              </a:rPr>
-              <a:t>Semestre </a:t>
-            </a:r>
-            <a:r>
-              <a:rPr lang="es-CL" sz="1200" dirty="0" smtClean="0">
-                <a:solidFill>
-                  <a:schemeClr val="bg1">
-                    <a:lumMod val="75000"/>
-                  </a:schemeClr>
-                </a:solidFill>
-                <a:latin typeface="Trebuchet MS" pitchFamily="34" charset="0"/>
-              </a:rPr>
-              <a:t>2018-1</a:t>
-            </a:r>
             <a:endParaRPr lang="en-US" sz="1200" dirty="0">
               <a:solidFill>
                 <a:schemeClr val="bg1">
@@ -5572,7 +5550,7 @@
           <a:graphicData uri="http://schemas.openxmlformats.org/presentationml/2006/ole">
             <mc:AlternateContent xmlns:mc="http://schemas.openxmlformats.org/markup-compatibility/2006">
               <mc:Choice xmlns:v="urn:schemas-microsoft-com:vml" Requires="v">
-                <p:oleObj spid="_x0000_s19460" name="Equation" r:id="rId7" imgW="114300" imgH="165100" progId="Equation.3">
+                <p:oleObj spid="_x0000_s19462" name="Equation" r:id="rId7" imgW="114300" imgH="165100" progId="Equation.3">
                   <p:embed/>
                 </p:oleObj>
               </mc:Choice>

--- a/clases/Cap02_Extraccion_de_Caracteristicas/presentations/PAT02_IntensityFeatures.pptx
+++ b/clases/Cap02_Extraccion_de_Caracteristicas/presentations/PAT02_IntensityFeatures.pptx
@@ -214,7 +214,7 @@
             <a:fld id="{6331132F-6757-456E-A169-DFC25AF282F4}" type="datetimeFigureOut">
               <a:rPr lang="es-CL" smtClean="0"/>
               <a:pPr/>
-              <a:t>07-03-19</a:t>
+              <a:t>19-03-19</a:t>
             </a:fld>
             <a:endParaRPr lang="es-CL"/>
           </a:p>
@@ -755,7 +755,7 @@
             <a:fld id="{CBB330BB-3945-4562-998B-13630C30D4E7}" type="datetimeFigureOut">
               <a:rPr lang="es-CL" smtClean="0"/>
               <a:pPr/>
-              <a:t>07-03-19</a:t>
+              <a:t>19-03-19</a:t>
             </a:fld>
             <a:endParaRPr lang="es-CL"/>
           </a:p>
@@ -922,7 +922,7 @@
             <a:fld id="{CBB330BB-3945-4562-998B-13630C30D4E7}" type="datetimeFigureOut">
               <a:rPr lang="es-CL" smtClean="0"/>
               <a:pPr/>
-              <a:t>07-03-19</a:t>
+              <a:t>19-03-19</a:t>
             </a:fld>
             <a:endParaRPr lang="es-CL"/>
           </a:p>
@@ -1099,7 +1099,7 @@
             <a:fld id="{CBB330BB-3945-4562-998B-13630C30D4E7}" type="datetimeFigureOut">
               <a:rPr lang="es-CL" smtClean="0"/>
               <a:pPr/>
-              <a:t>07-03-19</a:t>
+              <a:t>19-03-19</a:t>
             </a:fld>
             <a:endParaRPr lang="es-CL"/>
           </a:p>
@@ -1266,7 +1266,7 @@
             <a:fld id="{CBB330BB-3945-4562-998B-13630C30D4E7}" type="datetimeFigureOut">
               <a:rPr lang="es-CL" smtClean="0"/>
               <a:pPr/>
-              <a:t>07-03-19</a:t>
+              <a:t>19-03-19</a:t>
             </a:fld>
             <a:endParaRPr lang="es-CL"/>
           </a:p>
@@ -1509,7 +1509,7 @@
             <a:fld id="{CBB330BB-3945-4562-998B-13630C30D4E7}" type="datetimeFigureOut">
               <a:rPr lang="es-CL" smtClean="0"/>
               <a:pPr/>
-              <a:t>07-03-19</a:t>
+              <a:t>19-03-19</a:t>
             </a:fld>
             <a:endParaRPr lang="es-CL"/>
           </a:p>
@@ -1794,7 +1794,7 @@
             <a:fld id="{CBB330BB-3945-4562-998B-13630C30D4E7}" type="datetimeFigureOut">
               <a:rPr lang="es-CL" smtClean="0"/>
               <a:pPr/>
-              <a:t>07-03-19</a:t>
+              <a:t>19-03-19</a:t>
             </a:fld>
             <a:endParaRPr lang="es-CL"/>
           </a:p>
@@ -2213,7 +2213,7 @@
             <a:fld id="{CBB330BB-3945-4562-998B-13630C30D4E7}" type="datetimeFigureOut">
               <a:rPr lang="es-CL" smtClean="0"/>
               <a:pPr/>
-              <a:t>07-03-19</a:t>
+              <a:t>19-03-19</a:t>
             </a:fld>
             <a:endParaRPr lang="es-CL"/>
           </a:p>
@@ -2328,7 +2328,7 @@
             <a:fld id="{CBB330BB-3945-4562-998B-13630C30D4E7}" type="datetimeFigureOut">
               <a:rPr lang="es-CL" smtClean="0"/>
               <a:pPr/>
-              <a:t>07-03-19</a:t>
+              <a:t>19-03-19</a:t>
             </a:fld>
             <a:endParaRPr lang="es-CL"/>
           </a:p>
@@ -2420,7 +2420,7 @@
             <a:fld id="{CBB330BB-3945-4562-998B-13630C30D4E7}" type="datetimeFigureOut">
               <a:rPr lang="es-CL" smtClean="0"/>
               <a:pPr/>
-              <a:t>07-03-19</a:t>
+              <a:t>19-03-19</a:t>
             </a:fld>
             <a:endParaRPr lang="es-CL"/>
           </a:p>
@@ -2694,7 +2694,7 @@
             <a:fld id="{CBB330BB-3945-4562-998B-13630C30D4E7}" type="datetimeFigureOut">
               <a:rPr lang="es-CL" smtClean="0"/>
               <a:pPr/>
-              <a:t>07-03-19</a:t>
+              <a:t>19-03-19</a:t>
             </a:fld>
             <a:endParaRPr lang="es-CL"/>
           </a:p>
@@ -2944,7 +2944,7 @@
             <a:fld id="{CBB330BB-3945-4562-998B-13630C30D4E7}" type="datetimeFigureOut">
               <a:rPr lang="es-CL" smtClean="0"/>
               <a:pPr/>
-              <a:t>07-03-19</a:t>
+              <a:t>19-03-19</a:t>
             </a:fld>
             <a:endParaRPr lang="es-CL"/>
           </a:p>
@@ -3154,7 +3154,7 @@
             <a:fld id="{CBB330BB-3945-4562-998B-13630C30D4E7}" type="datetimeFigureOut">
               <a:rPr lang="es-CL" smtClean="0"/>
               <a:pPr/>
-              <a:t>07-03-19</a:t>
+              <a:t>19-03-19</a:t>
             </a:fld>
             <a:endParaRPr lang="es-CL"/>
           </a:p>
@@ -5550,7 +5550,7 @@
           <a:graphicData uri="http://schemas.openxmlformats.org/presentationml/2006/ole">
             <mc:AlternateContent xmlns:mc="http://schemas.openxmlformats.org/markup-compatibility/2006">
               <mc:Choice xmlns:v="urn:schemas-microsoft-com:vml" Requires="v">
-                <p:oleObj spid="_x0000_s19462" name="Equation" r:id="rId7" imgW="114300" imgH="165100" progId="Equation.3">
+                <p:oleObj spid="_x0000_s19464" name="Equation" r:id="rId7" imgW="114300" imgH="165100" progId="Equation.3">
                   <p:embed/>
                 </p:oleObj>
               </mc:Choice>
@@ -8267,7 +8267,7 @@
         <p:spPr>
           <a:xfrm>
             <a:off x="4836950" y="224087"/>
-            <a:ext cx="3605598" cy="461665"/>
+            <a:ext cx="3502882" cy="461665"/>
           </a:xfrm>
           <a:prstGeom prst="rect">
             <a:avLst/>
@@ -8281,11 +8281,18 @@
           <a:lstStyle/>
           <a:p>
             <a:r>
-              <a:rPr lang="en-US" sz="2400" b="1" dirty="0" smtClean="0">
+              <a:rPr lang="en-US" sz="2400" b="1" smtClean="0">
                 <a:latin typeface="LM Roman 10 Regular"/>
                 <a:cs typeface="LM Roman 10 Regular"/>
               </a:rPr>
-              <a:t>I           R          Re</a:t>
+              <a:t>I           </a:t>
+            </a:r>
+            <a:r>
+              <a:rPr lang="en-US" sz="2400" b="1" smtClean="0">
+                <a:latin typeface="LM Roman 10 Regular"/>
+                <a:cs typeface="LM Roman 10 Regular"/>
+              </a:rPr>
+              <a:t>       R                Re</a:t>
             </a:r>
             <a:endParaRPr lang="en-US" sz="2400" b="1" dirty="0">
               <a:latin typeface="LM Roman 10 Regular"/>

--- a/clases/Cap02_Extraccion_de_Caracteristicas/presentations/PAT02_IntensityFeatures.pptx
+++ b/clases/Cap02_Extraccion_de_Caracteristicas/presentations/PAT02_IntensityFeatures.pptx
@@ -5,7 +5,7 @@
     <p:sldMasterId id="2147483648" r:id="rId1"/>
   </p:sldMasterIdLst>
   <p:notesMasterIdLst>
-    <p:notesMasterId r:id="rId8"/>
+    <p:notesMasterId r:id="rId9"/>
   </p:notesMasterIdLst>
   <p:sldIdLst>
     <p:sldId id="313" r:id="rId2"/>
@@ -13,7 +13,8 @@
     <p:sldId id="314" r:id="rId4"/>
     <p:sldId id="315" r:id="rId5"/>
     <p:sldId id="316" r:id="rId6"/>
-    <p:sldId id="317" r:id="rId7"/>
+    <p:sldId id="318" r:id="rId7"/>
+    <p:sldId id="317" r:id="rId8"/>
   </p:sldIdLst>
   <p:sldSz cx="9144000" cy="6858000" type="screen4x3"/>
   <p:notesSz cx="6858000" cy="9144000"/>
@@ -214,7 +215,7 @@
             <a:fld id="{6331132F-6757-456E-A169-DFC25AF282F4}" type="datetimeFigureOut">
               <a:rPr lang="es-CL" smtClean="0"/>
               <a:pPr/>
-              <a:t>19-03-19</a:t>
+              <a:t>18-03-20</a:t>
             </a:fld>
             <a:endParaRPr lang="es-CL"/>
           </a:p>
@@ -280,35 +281,35 @@
           <a:p>
             <a:pPr lvl="0"/>
             <a:r>
-              <a:rPr lang="es-ES" smtClean="0"/>
+              <a:rPr lang="es-ES"/>
               <a:t>Haga clic para modificar el estilo de texto del patrón</a:t>
             </a:r>
           </a:p>
           <a:p>
             <a:pPr lvl="1"/>
             <a:r>
-              <a:rPr lang="es-ES" smtClean="0"/>
+              <a:rPr lang="es-ES"/>
               <a:t>Segundo nivel</a:t>
             </a:r>
           </a:p>
           <a:p>
             <a:pPr lvl="2"/>
             <a:r>
-              <a:rPr lang="es-ES" smtClean="0"/>
+              <a:rPr lang="es-ES"/>
               <a:t>Tercer nivel</a:t>
             </a:r>
           </a:p>
           <a:p>
             <a:pPr lvl="3"/>
             <a:r>
-              <a:rPr lang="es-ES" smtClean="0"/>
+              <a:rPr lang="es-ES"/>
               <a:t>Cuarto nivel</a:t>
             </a:r>
           </a:p>
           <a:p>
             <a:pPr lvl="4"/>
             <a:r>
-              <a:rPr lang="es-ES" smtClean="0"/>
+              <a:rPr lang="es-ES"/>
               <a:t>Quinto nivel</a:t>
             </a:r>
             <a:endParaRPr lang="es-CL"/>
@@ -561,7 +562,7 @@
           <a:lstStyle/>
           <a:p>
             <a:pPr eaLnBrk="1" hangingPunct="1"/>
-            <a:endParaRPr lang="es-ES" smtClean="0"/>
+            <a:endParaRPr lang="es-ES"/>
           </a:p>
         </p:txBody>
       </p:sp>
@@ -611,7 +612,7 @@
           <a:lstStyle/>
           <a:p>
             <a:r>
-              <a:rPr lang="es-ES" smtClean="0"/>
+              <a:rPr lang="es-ES"/>
               <a:t>Haga clic para modificar el estilo de título del patrón</a:t>
             </a:r>
             <a:endParaRPr lang="es-CL"/>
@@ -730,7 +731,7 @@
           </a:lstStyle>
           <a:p>
             <a:r>
-              <a:rPr lang="es-ES" smtClean="0"/>
+              <a:rPr lang="es-ES"/>
               <a:t>Haga clic para modificar el estilo de subtítulo del patrón</a:t>
             </a:r>
             <a:endParaRPr lang="es-CL"/>
@@ -755,7 +756,7 @@
             <a:fld id="{CBB330BB-3945-4562-998B-13630C30D4E7}" type="datetimeFigureOut">
               <a:rPr lang="es-CL" smtClean="0"/>
               <a:pPr/>
-              <a:t>19-03-19</a:t>
+              <a:t>18-03-20</a:t>
             </a:fld>
             <a:endParaRPr lang="es-CL"/>
           </a:p>
@@ -845,7 +846,7 @@
           <a:lstStyle/>
           <a:p>
             <a:r>
-              <a:rPr lang="es-ES" smtClean="0"/>
+              <a:rPr lang="es-ES"/>
               <a:t>Haga clic para modificar el estilo de título del patrón</a:t>
             </a:r>
             <a:endParaRPr lang="es-CL"/>
@@ -869,35 +870,35 @@
           <a:p>
             <a:pPr lvl="0"/>
             <a:r>
-              <a:rPr lang="es-ES" smtClean="0"/>
+              <a:rPr lang="es-ES"/>
               <a:t>Haga clic para modificar el estilo de texto del patrón</a:t>
             </a:r>
           </a:p>
           <a:p>
             <a:pPr lvl="1"/>
             <a:r>
-              <a:rPr lang="es-ES" smtClean="0"/>
+              <a:rPr lang="es-ES"/>
               <a:t>Segundo nivel</a:t>
             </a:r>
           </a:p>
           <a:p>
             <a:pPr lvl="2"/>
             <a:r>
-              <a:rPr lang="es-ES" smtClean="0"/>
+              <a:rPr lang="es-ES"/>
               <a:t>Tercer nivel</a:t>
             </a:r>
           </a:p>
           <a:p>
             <a:pPr lvl="3"/>
             <a:r>
-              <a:rPr lang="es-ES" smtClean="0"/>
+              <a:rPr lang="es-ES"/>
               <a:t>Cuarto nivel</a:t>
             </a:r>
           </a:p>
           <a:p>
             <a:pPr lvl="4"/>
             <a:r>
-              <a:rPr lang="es-ES" smtClean="0"/>
+              <a:rPr lang="es-ES"/>
               <a:t>Quinto nivel</a:t>
             </a:r>
             <a:endParaRPr lang="es-CL"/>
@@ -922,7 +923,7 @@
             <a:fld id="{CBB330BB-3945-4562-998B-13630C30D4E7}" type="datetimeFigureOut">
               <a:rPr lang="es-CL" smtClean="0"/>
               <a:pPr/>
-              <a:t>19-03-19</a:t>
+              <a:t>18-03-20</a:t>
             </a:fld>
             <a:endParaRPr lang="es-CL"/>
           </a:p>
@@ -1017,7 +1018,7 @@
           <a:lstStyle/>
           <a:p>
             <a:r>
-              <a:rPr lang="es-ES" smtClean="0"/>
+              <a:rPr lang="es-ES"/>
               <a:t>Haga clic para modificar el estilo de título del patrón</a:t>
             </a:r>
             <a:endParaRPr lang="es-CL"/>
@@ -1046,35 +1047,35 @@
           <a:p>
             <a:pPr lvl="0"/>
             <a:r>
-              <a:rPr lang="es-ES" smtClean="0"/>
+              <a:rPr lang="es-ES"/>
               <a:t>Haga clic para modificar el estilo de texto del patrón</a:t>
             </a:r>
           </a:p>
           <a:p>
             <a:pPr lvl="1"/>
             <a:r>
-              <a:rPr lang="es-ES" smtClean="0"/>
+              <a:rPr lang="es-ES"/>
               <a:t>Segundo nivel</a:t>
             </a:r>
           </a:p>
           <a:p>
             <a:pPr lvl="2"/>
             <a:r>
-              <a:rPr lang="es-ES" smtClean="0"/>
+              <a:rPr lang="es-ES"/>
               <a:t>Tercer nivel</a:t>
             </a:r>
           </a:p>
           <a:p>
             <a:pPr lvl="3"/>
             <a:r>
-              <a:rPr lang="es-ES" smtClean="0"/>
+              <a:rPr lang="es-ES"/>
               <a:t>Cuarto nivel</a:t>
             </a:r>
           </a:p>
           <a:p>
             <a:pPr lvl="4"/>
             <a:r>
-              <a:rPr lang="es-ES" smtClean="0"/>
+              <a:rPr lang="es-ES"/>
               <a:t>Quinto nivel</a:t>
             </a:r>
             <a:endParaRPr lang="es-CL"/>
@@ -1099,7 +1100,7 @@
             <a:fld id="{CBB330BB-3945-4562-998B-13630C30D4E7}" type="datetimeFigureOut">
               <a:rPr lang="es-CL" smtClean="0"/>
               <a:pPr/>
-              <a:t>19-03-19</a:t>
+              <a:t>18-03-20</a:t>
             </a:fld>
             <a:endParaRPr lang="es-CL"/>
           </a:p>
@@ -1189,7 +1190,7 @@
           <a:lstStyle/>
           <a:p>
             <a:r>
-              <a:rPr lang="es-ES" smtClean="0"/>
+              <a:rPr lang="es-ES"/>
               <a:t>Haga clic para modificar el estilo de título del patrón</a:t>
             </a:r>
             <a:endParaRPr lang="es-CL"/>
@@ -1213,35 +1214,35 @@
           <a:p>
             <a:pPr lvl="0"/>
             <a:r>
-              <a:rPr lang="es-ES" smtClean="0"/>
+              <a:rPr lang="es-ES"/>
               <a:t>Haga clic para modificar el estilo de texto del patrón</a:t>
             </a:r>
           </a:p>
           <a:p>
             <a:pPr lvl="1"/>
             <a:r>
-              <a:rPr lang="es-ES" smtClean="0"/>
+              <a:rPr lang="es-ES"/>
               <a:t>Segundo nivel</a:t>
             </a:r>
           </a:p>
           <a:p>
             <a:pPr lvl="2"/>
             <a:r>
-              <a:rPr lang="es-ES" smtClean="0"/>
+              <a:rPr lang="es-ES"/>
               <a:t>Tercer nivel</a:t>
             </a:r>
           </a:p>
           <a:p>
             <a:pPr lvl="3"/>
             <a:r>
-              <a:rPr lang="es-ES" smtClean="0"/>
+              <a:rPr lang="es-ES"/>
               <a:t>Cuarto nivel</a:t>
             </a:r>
           </a:p>
           <a:p>
             <a:pPr lvl="4"/>
             <a:r>
-              <a:rPr lang="es-ES" smtClean="0"/>
+              <a:rPr lang="es-ES"/>
               <a:t>Quinto nivel</a:t>
             </a:r>
             <a:endParaRPr lang="es-CL"/>
@@ -1266,7 +1267,7 @@
             <a:fld id="{CBB330BB-3945-4562-998B-13630C30D4E7}" type="datetimeFigureOut">
               <a:rPr lang="es-CL" smtClean="0"/>
               <a:pPr/>
-              <a:t>19-03-19</a:t>
+              <a:t>18-03-20</a:t>
             </a:fld>
             <a:endParaRPr lang="es-CL"/>
           </a:p>
@@ -1365,7 +1366,7 @@
           </a:lstStyle>
           <a:p>
             <a:r>
-              <a:rPr lang="es-ES" smtClean="0"/>
+              <a:rPr lang="es-ES"/>
               <a:t>Haga clic para modificar el estilo de título del patrón</a:t>
             </a:r>
             <a:endParaRPr lang="es-CL"/>
@@ -1485,7 +1486,7 @@
           <a:p>
             <a:pPr lvl="0"/>
             <a:r>
-              <a:rPr lang="es-ES" smtClean="0"/>
+              <a:rPr lang="es-ES"/>
               <a:t>Haga clic para modificar el estilo de texto del patrón</a:t>
             </a:r>
           </a:p>
@@ -1509,7 +1510,7 @@
             <a:fld id="{CBB330BB-3945-4562-998B-13630C30D4E7}" type="datetimeFigureOut">
               <a:rPr lang="es-CL" smtClean="0"/>
               <a:pPr/>
-              <a:t>19-03-19</a:t>
+              <a:t>18-03-20</a:t>
             </a:fld>
             <a:endParaRPr lang="es-CL"/>
           </a:p>
@@ -1599,7 +1600,7 @@
           <a:lstStyle/>
           <a:p>
             <a:r>
-              <a:rPr lang="es-ES" smtClean="0"/>
+              <a:rPr lang="es-ES"/>
               <a:t>Haga clic para modificar el estilo de título del patrón</a:t>
             </a:r>
             <a:endParaRPr lang="es-CL"/>
@@ -1656,35 +1657,35 @@
           <a:p>
             <a:pPr lvl="0"/>
             <a:r>
-              <a:rPr lang="es-ES" smtClean="0"/>
+              <a:rPr lang="es-ES"/>
               <a:t>Haga clic para modificar el estilo de texto del patrón</a:t>
             </a:r>
           </a:p>
           <a:p>
             <a:pPr lvl="1"/>
             <a:r>
-              <a:rPr lang="es-ES" smtClean="0"/>
+              <a:rPr lang="es-ES"/>
               <a:t>Segundo nivel</a:t>
             </a:r>
           </a:p>
           <a:p>
             <a:pPr lvl="2"/>
             <a:r>
-              <a:rPr lang="es-ES" smtClean="0"/>
+              <a:rPr lang="es-ES"/>
               <a:t>Tercer nivel</a:t>
             </a:r>
           </a:p>
           <a:p>
             <a:pPr lvl="3"/>
             <a:r>
-              <a:rPr lang="es-ES" smtClean="0"/>
+              <a:rPr lang="es-ES"/>
               <a:t>Cuarto nivel</a:t>
             </a:r>
           </a:p>
           <a:p>
             <a:pPr lvl="4"/>
             <a:r>
-              <a:rPr lang="es-ES" smtClean="0"/>
+              <a:rPr lang="es-ES"/>
               <a:t>Quinto nivel</a:t>
             </a:r>
             <a:endParaRPr lang="es-CL"/>
@@ -1741,35 +1742,35 @@
           <a:p>
             <a:pPr lvl="0"/>
             <a:r>
-              <a:rPr lang="es-ES" smtClean="0"/>
+              <a:rPr lang="es-ES"/>
               <a:t>Haga clic para modificar el estilo de texto del patrón</a:t>
             </a:r>
           </a:p>
           <a:p>
             <a:pPr lvl="1"/>
             <a:r>
-              <a:rPr lang="es-ES" smtClean="0"/>
+              <a:rPr lang="es-ES"/>
               <a:t>Segundo nivel</a:t>
             </a:r>
           </a:p>
           <a:p>
             <a:pPr lvl="2"/>
             <a:r>
-              <a:rPr lang="es-ES" smtClean="0"/>
+              <a:rPr lang="es-ES"/>
               <a:t>Tercer nivel</a:t>
             </a:r>
           </a:p>
           <a:p>
             <a:pPr lvl="3"/>
             <a:r>
-              <a:rPr lang="es-ES" smtClean="0"/>
+              <a:rPr lang="es-ES"/>
               <a:t>Cuarto nivel</a:t>
             </a:r>
           </a:p>
           <a:p>
             <a:pPr lvl="4"/>
             <a:r>
-              <a:rPr lang="es-ES" smtClean="0"/>
+              <a:rPr lang="es-ES"/>
               <a:t>Quinto nivel</a:t>
             </a:r>
             <a:endParaRPr lang="es-CL"/>
@@ -1794,7 +1795,7 @@
             <a:fld id="{CBB330BB-3945-4562-998B-13630C30D4E7}" type="datetimeFigureOut">
               <a:rPr lang="es-CL" smtClean="0"/>
               <a:pPr/>
-              <a:t>19-03-19</a:t>
+              <a:t>18-03-20</a:t>
             </a:fld>
             <a:endParaRPr lang="es-CL"/>
           </a:p>
@@ -1888,7 +1889,7 @@
           </a:lstStyle>
           <a:p>
             <a:r>
-              <a:rPr lang="es-ES" smtClean="0"/>
+              <a:rPr lang="es-ES"/>
               <a:t>Haga clic para modificar el estilo de título del patrón</a:t>
             </a:r>
             <a:endParaRPr lang="es-CL"/>
@@ -1954,7 +1955,7 @@
           <a:p>
             <a:pPr lvl="0"/>
             <a:r>
-              <a:rPr lang="es-ES" smtClean="0"/>
+              <a:rPr lang="es-ES"/>
               <a:t>Haga clic para modificar el estilo de texto del patrón</a:t>
             </a:r>
           </a:p>
@@ -2010,35 +2011,35 @@
           <a:p>
             <a:pPr lvl="0"/>
             <a:r>
-              <a:rPr lang="es-ES" smtClean="0"/>
+              <a:rPr lang="es-ES"/>
               <a:t>Haga clic para modificar el estilo de texto del patrón</a:t>
             </a:r>
           </a:p>
           <a:p>
             <a:pPr lvl="1"/>
             <a:r>
-              <a:rPr lang="es-ES" smtClean="0"/>
+              <a:rPr lang="es-ES"/>
               <a:t>Segundo nivel</a:t>
             </a:r>
           </a:p>
           <a:p>
             <a:pPr lvl="2"/>
             <a:r>
-              <a:rPr lang="es-ES" smtClean="0"/>
+              <a:rPr lang="es-ES"/>
               <a:t>Tercer nivel</a:t>
             </a:r>
           </a:p>
           <a:p>
             <a:pPr lvl="3"/>
             <a:r>
-              <a:rPr lang="es-ES" smtClean="0"/>
+              <a:rPr lang="es-ES"/>
               <a:t>Cuarto nivel</a:t>
             </a:r>
           </a:p>
           <a:p>
             <a:pPr lvl="4"/>
             <a:r>
-              <a:rPr lang="es-ES" smtClean="0"/>
+              <a:rPr lang="es-ES"/>
               <a:t>Quinto nivel</a:t>
             </a:r>
             <a:endParaRPr lang="es-CL"/>
@@ -2104,7 +2105,7 @@
           <a:p>
             <a:pPr lvl="0"/>
             <a:r>
-              <a:rPr lang="es-ES" smtClean="0"/>
+              <a:rPr lang="es-ES"/>
               <a:t>Haga clic para modificar el estilo de texto del patrón</a:t>
             </a:r>
           </a:p>
@@ -2160,35 +2161,35 @@
           <a:p>
             <a:pPr lvl="0"/>
             <a:r>
-              <a:rPr lang="es-ES" smtClean="0"/>
+              <a:rPr lang="es-ES"/>
               <a:t>Haga clic para modificar el estilo de texto del patrón</a:t>
             </a:r>
           </a:p>
           <a:p>
             <a:pPr lvl="1"/>
             <a:r>
-              <a:rPr lang="es-ES" smtClean="0"/>
+              <a:rPr lang="es-ES"/>
               <a:t>Segundo nivel</a:t>
             </a:r>
           </a:p>
           <a:p>
             <a:pPr lvl="2"/>
             <a:r>
-              <a:rPr lang="es-ES" smtClean="0"/>
+              <a:rPr lang="es-ES"/>
               <a:t>Tercer nivel</a:t>
             </a:r>
           </a:p>
           <a:p>
             <a:pPr lvl="3"/>
             <a:r>
-              <a:rPr lang="es-ES" smtClean="0"/>
+              <a:rPr lang="es-ES"/>
               <a:t>Cuarto nivel</a:t>
             </a:r>
           </a:p>
           <a:p>
             <a:pPr lvl="4"/>
             <a:r>
-              <a:rPr lang="es-ES" smtClean="0"/>
+              <a:rPr lang="es-ES"/>
               <a:t>Quinto nivel</a:t>
             </a:r>
             <a:endParaRPr lang="es-CL"/>
@@ -2213,7 +2214,7 @@
             <a:fld id="{CBB330BB-3945-4562-998B-13630C30D4E7}" type="datetimeFigureOut">
               <a:rPr lang="es-CL" smtClean="0"/>
               <a:pPr/>
-              <a:t>19-03-19</a:t>
+              <a:t>18-03-20</a:t>
             </a:fld>
             <a:endParaRPr lang="es-CL"/>
           </a:p>
@@ -2303,7 +2304,7 @@
           <a:lstStyle/>
           <a:p>
             <a:r>
-              <a:rPr lang="es-ES" smtClean="0"/>
+              <a:rPr lang="es-ES"/>
               <a:t>Haga clic para modificar el estilo de título del patrón</a:t>
             </a:r>
             <a:endParaRPr lang="es-CL"/>
@@ -2328,7 +2329,7 @@
             <a:fld id="{CBB330BB-3945-4562-998B-13630C30D4E7}" type="datetimeFigureOut">
               <a:rPr lang="es-CL" smtClean="0"/>
               <a:pPr/>
-              <a:t>19-03-19</a:t>
+              <a:t>18-03-20</a:t>
             </a:fld>
             <a:endParaRPr lang="es-CL"/>
           </a:p>
@@ -2420,7 +2421,7 @@
             <a:fld id="{CBB330BB-3945-4562-998B-13630C30D4E7}" type="datetimeFigureOut">
               <a:rPr lang="es-CL" smtClean="0"/>
               <a:pPr/>
-              <a:t>19-03-19</a:t>
+              <a:t>18-03-20</a:t>
             </a:fld>
             <a:endParaRPr lang="es-CL"/>
           </a:p>
@@ -2519,7 +2520,7 @@
           </a:lstStyle>
           <a:p>
             <a:r>
-              <a:rPr lang="es-ES" smtClean="0"/>
+              <a:rPr lang="es-ES"/>
               <a:t>Haga clic para modificar el estilo de título del patrón</a:t>
             </a:r>
             <a:endParaRPr lang="es-CL"/>
@@ -2576,35 +2577,35 @@
           <a:p>
             <a:pPr lvl="0"/>
             <a:r>
-              <a:rPr lang="es-ES" smtClean="0"/>
+              <a:rPr lang="es-ES"/>
               <a:t>Haga clic para modificar el estilo de texto del patrón</a:t>
             </a:r>
           </a:p>
           <a:p>
             <a:pPr lvl="1"/>
             <a:r>
-              <a:rPr lang="es-ES" smtClean="0"/>
+              <a:rPr lang="es-ES"/>
               <a:t>Segundo nivel</a:t>
             </a:r>
           </a:p>
           <a:p>
             <a:pPr lvl="2"/>
             <a:r>
-              <a:rPr lang="es-ES" smtClean="0"/>
+              <a:rPr lang="es-ES"/>
               <a:t>Tercer nivel</a:t>
             </a:r>
           </a:p>
           <a:p>
             <a:pPr lvl="3"/>
             <a:r>
-              <a:rPr lang="es-ES" smtClean="0"/>
+              <a:rPr lang="es-ES"/>
               <a:t>Cuarto nivel</a:t>
             </a:r>
           </a:p>
           <a:p>
             <a:pPr lvl="4"/>
             <a:r>
-              <a:rPr lang="es-ES" smtClean="0"/>
+              <a:rPr lang="es-ES"/>
               <a:t>Quinto nivel</a:t>
             </a:r>
             <a:endParaRPr lang="es-CL"/>
@@ -2670,7 +2671,7 @@
           <a:p>
             <a:pPr lvl="0"/>
             <a:r>
-              <a:rPr lang="es-ES" smtClean="0"/>
+              <a:rPr lang="es-ES"/>
               <a:t>Haga clic para modificar el estilo de texto del patrón</a:t>
             </a:r>
           </a:p>
@@ -2694,7 +2695,7 @@
             <a:fld id="{CBB330BB-3945-4562-998B-13630C30D4E7}" type="datetimeFigureOut">
               <a:rPr lang="es-CL" smtClean="0"/>
               <a:pPr/>
-              <a:t>19-03-19</a:t>
+              <a:t>18-03-20</a:t>
             </a:fld>
             <a:endParaRPr lang="es-CL"/>
           </a:p>
@@ -2793,7 +2794,7 @@
           </a:lstStyle>
           <a:p>
             <a:r>
-              <a:rPr lang="es-ES" smtClean="0"/>
+              <a:rPr lang="es-ES"/>
               <a:t>Haga clic para modificar el estilo de título del patrón</a:t>
             </a:r>
             <a:endParaRPr lang="es-CL"/>
@@ -2920,7 +2921,7 @@
           <a:p>
             <a:pPr lvl="0"/>
             <a:r>
-              <a:rPr lang="es-ES" smtClean="0"/>
+              <a:rPr lang="es-ES"/>
               <a:t>Haga clic para modificar el estilo de texto del patrón</a:t>
             </a:r>
           </a:p>
@@ -2944,7 +2945,7 @@
             <a:fld id="{CBB330BB-3945-4562-998B-13630C30D4E7}" type="datetimeFigureOut">
               <a:rPr lang="es-CL" smtClean="0"/>
               <a:pPr/>
-              <a:t>19-03-19</a:t>
+              <a:t>18-03-20</a:t>
             </a:fld>
             <a:endParaRPr lang="es-CL"/>
           </a:p>
@@ -3049,7 +3050,7 @@
           <a:lstStyle/>
           <a:p>
             <a:r>
-              <a:rPr lang="es-ES" smtClean="0"/>
+              <a:rPr lang="es-ES"/>
               <a:t>Haga clic para modificar el estilo de título del patrón</a:t>
             </a:r>
             <a:endParaRPr lang="es-CL"/>
@@ -3083,35 +3084,35 @@
           <a:p>
             <a:pPr lvl="0"/>
             <a:r>
-              <a:rPr lang="es-ES" smtClean="0"/>
+              <a:rPr lang="es-ES"/>
               <a:t>Haga clic para modificar el estilo de texto del patrón</a:t>
             </a:r>
           </a:p>
           <a:p>
             <a:pPr lvl="1"/>
             <a:r>
-              <a:rPr lang="es-ES" smtClean="0"/>
+              <a:rPr lang="es-ES"/>
               <a:t>Segundo nivel</a:t>
             </a:r>
           </a:p>
           <a:p>
             <a:pPr lvl="2"/>
             <a:r>
-              <a:rPr lang="es-ES" smtClean="0"/>
+              <a:rPr lang="es-ES"/>
               <a:t>Tercer nivel</a:t>
             </a:r>
           </a:p>
           <a:p>
             <a:pPr lvl="3"/>
             <a:r>
-              <a:rPr lang="es-ES" smtClean="0"/>
+              <a:rPr lang="es-ES"/>
               <a:t>Cuarto nivel</a:t>
             </a:r>
           </a:p>
           <a:p>
             <a:pPr lvl="4"/>
             <a:r>
-              <a:rPr lang="es-ES" smtClean="0"/>
+              <a:rPr lang="es-ES"/>
               <a:t>Quinto nivel</a:t>
             </a:r>
             <a:endParaRPr lang="es-CL"/>
@@ -3154,7 +3155,7 @@
             <a:fld id="{CBB330BB-3945-4562-998B-13630C30D4E7}" type="datetimeFigureOut">
               <a:rPr lang="es-CL" smtClean="0"/>
               <a:pPr/>
-              <a:t>19-03-19</a:t>
+              <a:t>18-03-20</a:t>
             </a:fld>
             <a:endParaRPr lang="es-CL"/>
           </a:p>
@@ -3565,7 +3566,7 @@
           <a:p>
             <a:pPr algn="ctr"/>
             <a:r>
-              <a:rPr lang="es-CL" sz="2400" dirty="0" smtClean="0">
+              <a:rPr lang="es-CL" sz="2400" dirty="0">
                 <a:solidFill>
                   <a:srgbClr val="FF0000"/>
                 </a:solidFill>
@@ -3574,7 +3575,7 @@
               <a:t>R</a:t>
             </a:r>
             <a:r>
-              <a:rPr lang="es-CL" sz="2400" dirty="0" smtClean="0">
+              <a:rPr lang="es-CL" sz="2400" dirty="0">
                 <a:solidFill>
                   <a:srgbClr val="3366FF"/>
                 </a:solidFill>
@@ -3583,7 +3584,7 @@
               <a:t>e</a:t>
             </a:r>
             <a:r>
-              <a:rPr lang="es-CL" sz="2400" dirty="0" smtClean="0">
+              <a:rPr lang="es-CL" sz="2400" dirty="0">
                 <a:solidFill>
                   <a:srgbClr val="FFFF00"/>
                 </a:solidFill>
@@ -3592,7 +3593,7 @@
               <a:t>c</a:t>
             </a:r>
             <a:r>
-              <a:rPr lang="es-CL" sz="2400" dirty="0" smtClean="0">
+              <a:rPr lang="es-CL" sz="2400" dirty="0">
                 <a:solidFill>
                   <a:srgbClr val="00FF00"/>
                 </a:solidFill>
@@ -3601,7 +3602,7 @@
               <a:t>o</a:t>
             </a:r>
             <a:r>
-              <a:rPr lang="es-CL" sz="2400" dirty="0" smtClean="0">
+              <a:rPr lang="es-CL" sz="2400" dirty="0">
                 <a:solidFill>
                   <a:schemeClr val="bg1"/>
                 </a:solidFill>
@@ -3610,7 +3611,7 @@
               <a:t>n</a:t>
             </a:r>
             <a:r>
-              <a:rPr lang="es-CL" sz="2400" dirty="0" smtClean="0">
+              <a:rPr lang="es-CL" sz="2400" dirty="0">
                 <a:solidFill>
                   <a:srgbClr val="FF6600"/>
                 </a:solidFill>
@@ -3619,7 +3620,7 @@
               <a:t>o</a:t>
             </a:r>
             <a:r>
-              <a:rPr lang="es-CL" sz="2400" dirty="0" smtClean="0">
+              <a:rPr lang="es-CL" sz="2400" dirty="0">
                 <a:solidFill>
                   <a:srgbClr val="FF0000"/>
                 </a:solidFill>
@@ -3628,7 +3629,7 @@
               <a:t>c</a:t>
             </a:r>
             <a:r>
-              <a:rPr lang="es-CL" sz="2400" dirty="0" smtClean="0">
+              <a:rPr lang="es-CL" sz="2400" dirty="0">
                 <a:solidFill>
                   <a:srgbClr val="3366FF"/>
                 </a:solidFill>
@@ -3637,7 +3638,7 @@
               <a:t>i</a:t>
             </a:r>
             <a:r>
-              <a:rPr lang="es-CL" sz="2400" dirty="0" smtClean="0">
+              <a:rPr lang="es-CL" sz="2400" dirty="0">
                 <a:solidFill>
                   <a:schemeClr val="bg1"/>
                 </a:solidFill>
@@ -3646,7 +3647,7 @@
               <a:t>m</a:t>
             </a:r>
             <a:r>
-              <a:rPr lang="es-CL" sz="2400" dirty="0" smtClean="0">
+              <a:rPr lang="es-CL" sz="2400" dirty="0">
                 <a:solidFill>
                   <a:srgbClr val="FFFF00"/>
                 </a:solidFill>
@@ -3655,7 +3656,7 @@
               <a:t>i</a:t>
             </a:r>
             <a:r>
-              <a:rPr lang="es-CL" sz="2400" dirty="0" smtClean="0">
+              <a:rPr lang="es-CL" sz="2400" dirty="0">
                 <a:solidFill>
                   <a:srgbClr val="00FF00"/>
                 </a:solidFill>
@@ -3664,7 +3665,7 @@
               <a:t>e</a:t>
             </a:r>
             <a:r>
-              <a:rPr lang="es-CL" sz="2400" dirty="0" smtClean="0">
+              <a:rPr lang="es-CL" sz="2400" dirty="0">
                 <a:solidFill>
                   <a:schemeClr val="bg1"/>
                 </a:solidFill>
@@ -3673,7 +3674,7 @@
               <a:t>n</a:t>
             </a:r>
             <a:r>
-              <a:rPr lang="es-CL" sz="2400" dirty="0" smtClean="0">
+              <a:rPr lang="es-CL" sz="2400" dirty="0">
                 <a:solidFill>
                   <a:srgbClr val="FF6600"/>
                 </a:solidFill>
@@ -3682,7 +3683,7 @@
               <a:t>t</a:t>
             </a:r>
             <a:r>
-              <a:rPr lang="es-CL" sz="2400" dirty="0" smtClean="0">
+              <a:rPr lang="es-CL" sz="2400" dirty="0">
                 <a:solidFill>
                   <a:srgbClr val="FF0000"/>
                 </a:solidFill>
@@ -3691,7 +3692,7 @@
               <a:t>o</a:t>
             </a:r>
             <a:r>
-              <a:rPr lang="es-CL" sz="2400" dirty="0" smtClean="0">
+              <a:rPr lang="es-CL" sz="2400" dirty="0">
                 <a:solidFill>
                   <a:srgbClr val="3333CC"/>
                 </a:solidFill>
@@ -3700,7 +3701,7 @@
               <a:t> </a:t>
             </a:r>
             <a:r>
-              <a:rPr lang="es-CL" sz="2400" dirty="0" smtClean="0">
+              <a:rPr lang="es-CL" sz="2400" dirty="0">
                 <a:solidFill>
                   <a:srgbClr val="3366FF"/>
                 </a:solidFill>
@@ -3709,7 +3710,7 @@
               <a:t>d</a:t>
             </a:r>
             <a:r>
-              <a:rPr lang="es-CL" sz="2400" dirty="0" smtClean="0">
+              <a:rPr lang="es-CL" sz="2400" dirty="0">
                 <a:solidFill>
                   <a:srgbClr val="FFFF00"/>
                 </a:solidFill>
@@ -3718,7 +3719,7 @@
               <a:t>e </a:t>
             </a:r>
             <a:r>
-              <a:rPr lang="es-CL" sz="2400" dirty="0" smtClean="0">
+              <a:rPr lang="es-CL" sz="2400" dirty="0">
                 <a:solidFill>
                   <a:srgbClr val="00FF00"/>
                 </a:solidFill>
@@ -3727,7 +3728,7 @@
               <a:t>P</a:t>
             </a:r>
             <a:r>
-              <a:rPr lang="es-CL" sz="2400" dirty="0" smtClean="0">
+              <a:rPr lang="es-CL" sz="2400" dirty="0">
                 <a:solidFill>
                   <a:schemeClr val="bg1"/>
                 </a:solidFill>
@@ -3736,7 +3737,7 @@
               <a:t>a</a:t>
             </a:r>
             <a:r>
-              <a:rPr lang="es-CL" sz="2400" dirty="0" smtClean="0">
+              <a:rPr lang="es-CL" sz="2400" dirty="0">
                 <a:solidFill>
                   <a:srgbClr val="FF6600"/>
                 </a:solidFill>
@@ -3745,7 +3746,7 @@
               <a:t>t</a:t>
             </a:r>
             <a:r>
-              <a:rPr lang="es-CL" sz="2400" dirty="0" smtClean="0">
+              <a:rPr lang="es-CL" sz="2400" dirty="0">
                 <a:solidFill>
                   <a:srgbClr val="FF0000"/>
                 </a:solidFill>
@@ -3754,7 +3755,7 @@
               <a:t>r</a:t>
             </a:r>
             <a:r>
-              <a:rPr lang="es-CL" sz="2400" dirty="0" smtClean="0">
+              <a:rPr lang="es-CL" sz="2400" dirty="0">
                 <a:solidFill>
                   <a:srgbClr val="3366FF"/>
                 </a:solidFill>
@@ -3763,7 +3764,7 @@
               <a:t>o</a:t>
             </a:r>
             <a:r>
-              <a:rPr lang="es-CL" sz="2400" dirty="0" smtClean="0">
+              <a:rPr lang="es-CL" sz="2400" dirty="0">
                 <a:solidFill>
                   <a:srgbClr val="FFFF00"/>
                 </a:solidFill>
@@ -3772,7 +3773,7 @@
               <a:t>n</a:t>
             </a:r>
             <a:r>
-              <a:rPr lang="es-CL" sz="2400" dirty="0" smtClean="0">
+              <a:rPr lang="es-CL" sz="2400" dirty="0">
                 <a:solidFill>
                   <a:srgbClr val="00FF00"/>
                 </a:solidFill>
@@ -3781,7 +3782,7 @@
               <a:t>e</a:t>
             </a:r>
             <a:r>
-              <a:rPr lang="es-CL" sz="2400" dirty="0" smtClean="0">
+              <a:rPr lang="es-CL" sz="2400" dirty="0">
                 <a:solidFill>
                   <a:schemeClr val="bg1"/>
                 </a:solidFill>
@@ -3789,7 +3790,7 @@
               </a:rPr>
               <a:t>s</a:t>
             </a:r>
-            <a:endParaRPr lang="es-CL" sz="2400" dirty="0" smtClean="0">
+            <a:endParaRPr lang="es-CL" sz="2400" dirty="0">
               <a:solidFill>
                 <a:srgbClr val="FF0000"/>
               </a:solidFill>
@@ -3799,7 +3800,7 @@
           <a:p>
             <a:pPr algn="ctr"/>
             <a:r>
-              <a:rPr lang="es-CL" sz="2400" dirty="0" smtClean="0">
+              <a:rPr lang="es-CL" sz="2400" dirty="0">
                 <a:solidFill>
                   <a:schemeClr val="bg2">
                     <a:lumMod val="60000"/>
@@ -3810,19 +3811,10 @@
               </a:rPr>
               <a:t> </a:t>
             </a:r>
+          </a:p>
+          <a:p>
+            <a:pPr algn="ctr"/>
             <a:endParaRPr lang="es-CL" sz="2400" dirty="0">
-              <a:solidFill>
-                <a:schemeClr val="bg2">
-                  <a:lumMod val="60000"/>
-                  <a:lumOff val="40000"/>
-                </a:schemeClr>
-              </a:solidFill>
-              <a:latin typeface="Trebuchet MS" pitchFamily="34" charset="0"/>
-            </a:endParaRPr>
-          </a:p>
-          <a:p>
-            <a:pPr algn="ctr"/>
-            <a:endParaRPr lang="es-CL" sz="2400" dirty="0" smtClean="0">
               <a:solidFill>
                 <a:srgbClr val="3333CC"/>
               </a:solidFill>
@@ -3893,7 +3885,7 @@
           <a:p>
             <a:pPr algn="ctr"/>
             <a:r>
-              <a:rPr lang="es-CL" sz="1200" dirty="0" smtClean="0">
+              <a:rPr lang="es-CL" sz="1200" dirty="0">
                 <a:solidFill>
                   <a:schemeClr val="bg1">
                     <a:lumMod val="75000"/>
@@ -3903,19 +3895,11 @@
               </a:rPr>
               <a:t>Departmento de Ciencia de la Computación</a:t>
             </a:r>
-            <a:endParaRPr lang="es-CL" sz="1200" dirty="0">
-              <a:solidFill>
-                <a:schemeClr val="bg1">
-                  <a:lumMod val="75000"/>
-                </a:schemeClr>
-              </a:solidFill>
-              <a:latin typeface="Trebuchet MS" pitchFamily="34" charset="0"/>
-            </a:endParaRPr>
           </a:p>
           <a:p>
             <a:pPr algn="ctr"/>
             <a:r>
-              <a:rPr lang="es-CL" sz="1200" dirty="0" smtClean="0">
+              <a:rPr lang="es-CL" sz="1200" dirty="0">
                 <a:solidFill>
                   <a:schemeClr val="bg1">
                     <a:lumMod val="75000"/>
@@ -3929,7 +3913,7 @@
           <a:p>
             <a:pPr algn="ctr"/>
             <a:r>
-              <a:rPr lang="es-CL" sz="1200" dirty="0" smtClean="0">
+              <a:rPr lang="es-CL" sz="1200" dirty="0">
                 <a:solidFill>
                   <a:schemeClr val="bg1">
                     <a:lumMod val="75000"/>
@@ -3939,14 +3923,6 @@
               </a:rPr>
               <a:t>Universidad Católica de Chile</a:t>
             </a:r>
-            <a:endParaRPr lang="es-CL" sz="1200" dirty="0">
-              <a:solidFill>
-                <a:schemeClr val="bg1">
-                  <a:lumMod val="75000"/>
-                </a:schemeClr>
-              </a:solidFill>
-              <a:latin typeface="Trebuchet MS" pitchFamily="34" charset="0"/>
-            </a:endParaRPr>
           </a:p>
           <a:p>
             <a:pPr algn="ctr"/>
@@ -4250,7 +4226,7 @@
           <a:p>
             <a:pPr algn="ctr"/>
             <a:r>
-              <a:rPr lang="es-CL" sz="2400" b="1" dirty="0" smtClean="0">
+              <a:rPr lang="es-CL" sz="2400" b="1" dirty="0">
                 <a:solidFill>
                   <a:srgbClr val="FFFFFF"/>
                 </a:solidFill>
@@ -4262,7 +4238,7 @@
           </a:p>
           <a:p>
             <a:pPr algn="ctr"/>
-            <a:endParaRPr lang="es-CL" sz="1000" dirty="0" smtClean="0">
+            <a:endParaRPr lang="es-CL" sz="1000" dirty="0">
               <a:solidFill>
                 <a:srgbClr val="FFFFFF"/>
               </a:solidFill>
@@ -4273,7 +4249,7 @@
           <a:p>
             <a:pPr algn="ctr"/>
             <a:r>
-              <a:rPr lang="es-CL" sz="1000" dirty="0" smtClean="0">
+              <a:rPr lang="es-CL" sz="1000" dirty="0">
                 <a:solidFill>
                   <a:srgbClr val="FFFFFF"/>
                 </a:solidFill>
@@ -4840,14 +4816,14 @@
           </a:bodyPr>
           <a:lstStyle/>
           <a:p>
-            <a:endParaRPr lang="en-US" dirty="0" smtClean="0">
+            <a:endParaRPr lang="en-US" dirty="0">
               <a:latin typeface="Trebuchet MS"/>
               <a:cs typeface="Trebuchet MS"/>
             </a:endParaRPr>
           </a:p>
           <a:p>
             <a:r>
-              <a:rPr lang="en-US" dirty="0" smtClean="0">
+              <a:rPr lang="en-US" dirty="0">
                 <a:latin typeface="Trebuchet MS"/>
                 <a:cs typeface="Trebuchet MS"/>
               </a:rPr>
@@ -4855,7 +4831,7 @@
             </a:r>
           </a:p>
           <a:p>
-            <a:endParaRPr lang="en-US" dirty="0" smtClean="0">
+            <a:endParaRPr lang="en-US" dirty="0">
               <a:latin typeface="Trebuchet MS"/>
               <a:cs typeface="Trebuchet MS"/>
             </a:endParaRPr>
@@ -4887,7 +4863,7 @@
           <a:lstStyle/>
           <a:p>
             <a:r>
-              <a:rPr lang="en-US" dirty="0" smtClean="0">
+              <a:rPr lang="en-US" dirty="0">
                 <a:latin typeface="Trebuchet MS"/>
                 <a:cs typeface="Trebuchet MS"/>
               </a:rPr>
@@ -4896,16 +4872,12 @@
           </a:p>
           <a:p>
             <a:r>
-              <a:rPr lang="en-US" dirty="0" smtClean="0">
+              <a:rPr lang="en-US" dirty="0">
                 <a:latin typeface="Trebuchet MS"/>
                 <a:cs typeface="Trebuchet MS"/>
               </a:rPr>
               <a:t>  					Intensity Features</a:t>
             </a:r>
-            <a:endParaRPr lang="en-US" dirty="0">
-              <a:latin typeface="Trebuchet MS"/>
-              <a:cs typeface="Trebuchet MS"/>
-            </a:endParaRPr>
           </a:p>
         </p:txBody>
       </p:sp>
@@ -4934,16 +4906,12 @@
           <a:lstStyle/>
           <a:p>
             <a:r>
-              <a:rPr lang="en-US" dirty="0" smtClean="0">
+              <a:rPr lang="en-US" dirty="0">
                 <a:latin typeface="Trebuchet MS"/>
                 <a:cs typeface="Trebuchet MS"/>
               </a:rPr>
               <a:t>Geometric Features give information about location, orientation, shape and size.</a:t>
             </a:r>
-            <a:endParaRPr lang="en-US" dirty="0">
-              <a:latin typeface="Trebuchet MS"/>
-              <a:cs typeface="Trebuchet MS"/>
-            </a:endParaRPr>
           </a:p>
         </p:txBody>
       </p:sp>
@@ -4972,16 +4940,12 @@
           <a:lstStyle/>
           <a:p>
             <a:r>
-              <a:rPr lang="en-US" dirty="0" smtClean="0">
+              <a:rPr lang="en-US" dirty="0">
                 <a:latin typeface="Trebuchet MS"/>
                 <a:cs typeface="Trebuchet MS"/>
               </a:rPr>
               <a:t>Intensity Features give information about how are the grayvalues.</a:t>
             </a:r>
-            <a:endParaRPr lang="en-US" dirty="0">
-              <a:latin typeface="Trebuchet MS"/>
-              <a:cs typeface="Trebuchet MS"/>
-            </a:endParaRPr>
           </a:p>
         </p:txBody>
       </p:sp>
@@ -5292,16 +5256,12 @@
           <a:lstStyle/>
           <a:p>
             <a:r>
-              <a:rPr lang="en-US" sz="3600" b="1" dirty="0" smtClean="0">
+              <a:rPr lang="en-US" sz="3600" b="1" dirty="0">
                 <a:latin typeface="Trebuchet MS"/>
                 <a:cs typeface="Trebuchet MS"/>
               </a:rPr>
               <a:t>Intensity Features</a:t>
             </a:r>
-            <a:endParaRPr lang="en-US" sz="3600" b="1" dirty="0">
-              <a:latin typeface="Trebuchet MS"/>
-              <a:cs typeface="Trebuchet MS"/>
-            </a:endParaRPr>
           </a:p>
         </p:txBody>
       </p:sp>
@@ -5315,13 +5275,6 @@
   <p:clrMapOvr>
     <a:masterClrMapping/>
   </p:clrMapOvr>
-  <p:timing>
-    <p:tnLst>
-      <p:par>
-        <p:cTn id="1" dur="indefinite" restart="never" nodeType="tmRoot"/>
-      </p:par>
-    </p:tnLst>
-  </p:timing>
 </p:sld>
 </file>
 
@@ -5550,7 +5503,7 @@
           <a:graphicData uri="http://schemas.openxmlformats.org/presentationml/2006/ole">
             <mc:AlternateContent xmlns:mc="http://schemas.openxmlformats.org/markup-compatibility/2006">
               <mc:Choice xmlns:v="urn:schemas-microsoft-com:vml" Requires="v">
-                <p:oleObj spid="_x0000_s19464" name="Equation" r:id="rId7" imgW="114300" imgH="165100" progId="Equation.3">
+                <p:oleObj spid="_x0000_s19465" name="Equation" r:id="rId7" imgW="114300" imgH="165100" progId="Equation.3">
                   <p:embed/>
                 </p:oleObj>
               </mc:Choice>
@@ -5624,7 +5577,7 @@
             <a:lstStyle/>
             <a:p>
               <a:r>
-                <a:rPr lang="en-US" dirty="0" smtClean="0">
+                <a:rPr lang="en-US" dirty="0">
                   <a:latin typeface="Trebuchet MS"/>
                   <a:cs typeface="Trebuchet MS"/>
                 </a:rPr>
@@ -5687,12 +5640,80 @@
           <a:lstStyle/>
           <a:p>
             <a:r>
-              <a:rPr lang="en-US" i="1" dirty="0" smtClean="0">
+              <a:rPr lang="en-US" i="1" dirty="0">
                 <a:latin typeface="LM Roman 10 Regular"/>
                 <a:cs typeface="LM Roman 10 Regular"/>
               </a:rPr>
               <a:t>x</a:t>
             </a:r>
+          </a:p>
+        </p:txBody>
+      </p:sp>
+      <p:sp>
+        <p:nvSpPr>
+          <p:cNvPr id="16" name="TextBox 15"/>
+          <p:cNvSpPr txBox="1"/>
+          <p:nvPr/>
+        </p:nvSpPr>
+        <p:spPr>
+          <a:xfrm>
+            <a:off x="421813" y="960543"/>
+            <a:ext cx="312906" cy="369332"/>
+          </a:xfrm>
+          <a:prstGeom prst="rect">
+            <a:avLst/>
+          </a:prstGeom>
+          <a:noFill/>
+        </p:spPr>
+        <p:txBody>
+          <a:bodyPr wrap="none" rtlCol="0">
+            <a:spAutoFit/>
+          </a:bodyPr>
+          <a:lstStyle/>
+          <a:p>
+            <a:r>
+              <a:rPr lang="en-US" i="1" dirty="0">
+                <a:latin typeface="LM Roman 10 Regular"/>
+                <a:cs typeface="LM Roman 10 Regular"/>
+              </a:rPr>
+              <a:t>x</a:t>
+            </a:r>
+            <a:endParaRPr lang="en-US" i="1" dirty="0">
+              <a:latin typeface="LM Roman 10 Regular"/>
+              <a:cs typeface="Times New Roman" panose="02020603050405020304" pitchFamily="18" charset="0"/>
+            </a:endParaRPr>
+          </a:p>
+        </p:txBody>
+      </p:sp>
+      <p:sp>
+        <p:nvSpPr>
+          <p:cNvPr id="17" name="TextBox 16"/>
+          <p:cNvSpPr txBox="1"/>
+          <p:nvPr/>
+        </p:nvSpPr>
+        <p:spPr>
+          <a:xfrm>
+            <a:off x="5835728" y="3192561"/>
+            <a:ext cx="274434" cy="369332"/>
+          </a:xfrm>
+          <a:prstGeom prst="rect">
+            <a:avLst/>
+          </a:prstGeom>
+          <a:noFill/>
+        </p:spPr>
+        <p:txBody>
+          <a:bodyPr wrap="none" rtlCol="0">
+            <a:spAutoFit/>
+          </a:bodyPr>
+          <a:lstStyle/>
+          <a:p>
+            <a:r>
+              <a:rPr lang="en-US" i="1" dirty="0" err="1">
+                <a:latin typeface="LM Roman 10 Regular"/>
+                <a:cs typeface="LM Roman 10 Regular"/>
+              </a:rPr>
+              <a:t>i</a:t>
+            </a:r>
             <a:endParaRPr lang="en-US" i="1" dirty="0">
               <a:latin typeface="LM Roman 10 Regular"/>
               <a:cs typeface="LM Roman 10 Regular"/>
@@ -5702,14 +5723,14 @@
       </p:sp>
       <p:sp>
         <p:nvSpPr>
-          <p:cNvPr id="16" name="TextBox 15"/>
+          <p:cNvPr id="18" name="TextBox 17"/>
           <p:cNvSpPr txBox="1"/>
           <p:nvPr/>
         </p:nvSpPr>
         <p:spPr>
           <a:xfrm>
-            <a:off x="421813" y="960543"/>
-            <a:ext cx="312906" cy="369332"/>
+            <a:off x="7668751" y="3319306"/>
+            <a:ext cx="274434" cy="369332"/>
           </a:xfrm>
           <a:prstGeom prst="rect">
             <a:avLst/>
@@ -5723,88 +5744,12 @@
           <a:lstStyle/>
           <a:p>
             <a:r>
-              <a:rPr lang="en-US" i="1" dirty="0" smtClean="0">
-                <a:latin typeface="LM Roman 10 Regular"/>
-                <a:cs typeface="LM Roman 10 Regular"/>
-              </a:rPr>
-              <a:t>x</a:t>
-            </a:r>
-            <a:endParaRPr lang="en-US" i="1" dirty="0">
-              <a:latin typeface="LM Roman 10 Regular"/>
-              <a:cs typeface="LM Roman 10 Regular"/>
-            </a:endParaRPr>
-          </a:p>
-        </p:txBody>
-      </p:sp>
-      <p:sp>
-        <p:nvSpPr>
-          <p:cNvPr id="17" name="TextBox 16"/>
-          <p:cNvSpPr txBox="1"/>
-          <p:nvPr/>
-        </p:nvSpPr>
-        <p:spPr>
-          <a:xfrm>
-            <a:off x="5835728" y="3192561"/>
-            <a:ext cx="274434" cy="369332"/>
-          </a:xfrm>
-          <a:prstGeom prst="rect">
-            <a:avLst/>
-          </a:prstGeom>
-          <a:noFill/>
-        </p:spPr>
-        <p:txBody>
-          <a:bodyPr wrap="none" rtlCol="0">
-            <a:spAutoFit/>
-          </a:bodyPr>
-          <a:lstStyle/>
-          <a:p>
-            <a:r>
-              <a:rPr lang="en-US" i="1" dirty="0" err="1" smtClean="0">
-                <a:latin typeface="LM Roman 10 Regular"/>
-                <a:cs typeface="LM Roman 10 Regular"/>
-              </a:rPr>
-              <a:t>i</a:t>
-            </a:r>
-            <a:endParaRPr lang="en-US" i="1" dirty="0">
-              <a:latin typeface="LM Roman 10 Regular"/>
-              <a:cs typeface="LM Roman 10 Regular"/>
-            </a:endParaRPr>
-          </a:p>
-        </p:txBody>
-      </p:sp>
-      <p:sp>
-        <p:nvSpPr>
-          <p:cNvPr id="18" name="TextBox 17"/>
-          <p:cNvSpPr txBox="1"/>
-          <p:nvPr/>
-        </p:nvSpPr>
-        <p:spPr>
-          <a:xfrm>
-            <a:off x="7668751" y="3319306"/>
-            <a:ext cx="274434" cy="369332"/>
-          </a:xfrm>
-          <a:prstGeom prst="rect">
-            <a:avLst/>
-          </a:prstGeom>
-          <a:noFill/>
-        </p:spPr>
-        <p:txBody>
-          <a:bodyPr wrap="none" rtlCol="0">
-            <a:spAutoFit/>
-          </a:bodyPr>
-          <a:lstStyle/>
-          <a:p>
-            <a:r>
-              <a:rPr lang="en-US" i="1" dirty="0" smtClean="0">
+              <a:rPr lang="en-US" i="1" dirty="0">
                 <a:latin typeface="LM Roman 10 Regular"/>
                 <a:cs typeface="LM Roman 10 Regular"/>
               </a:rPr>
               <a:t>j</a:t>
             </a:r>
-            <a:endParaRPr lang="en-US" i="1" dirty="0">
-              <a:latin typeface="LM Roman 10 Regular"/>
-              <a:cs typeface="LM Roman 10 Regular"/>
-            </a:endParaRPr>
           </a:p>
         </p:txBody>
       </p:sp>
@@ -5847,7 +5792,7 @@
             <a:lstStyle/>
             <a:p>
               <a:r>
-                <a:rPr lang="en-US" dirty="0" smtClean="0">
+                <a:rPr lang="en-US" dirty="0">
                   <a:latin typeface="Trebuchet MS"/>
                   <a:cs typeface="Trebuchet MS"/>
                 </a:rPr>
@@ -5926,21 +5871,21 @@
             <a:lstStyle/>
             <a:p>
               <a:r>
-                <a:rPr lang="en-US" dirty="0" smtClean="0">
+                <a:rPr lang="en-US" dirty="0">
                   <a:latin typeface="Trebuchet MS"/>
                   <a:cs typeface="Trebuchet MS"/>
                 </a:rPr>
                 <a:t>Mean 2</a:t>
               </a:r>
               <a:r>
-                <a:rPr lang="en-US" baseline="30000" dirty="0" smtClean="0">
+                <a:rPr lang="en-US" baseline="30000" dirty="0">
                   <a:latin typeface="Trebuchet MS"/>
                   <a:cs typeface="Trebuchet MS"/>
                 </a:rPr>
                 <a:t>nd</a:t>
               </a:r>
               <a:r>
-                <a:rPr lang="en-US" dirty="0" smtClean="0">
+                <a:rPr lang="en-US" dirty="0">
                   <a:latin typeface="Trebuchet MS"/>
                   <a:cs typeface="Trebuchet MS"/>
                 </a:rPr>
@@ -6005,7 +5950,7 @@
           <a:lstStyle/>
           <a:p>
             <a:r>
-              <a:rPr lang="en-US" dirty="0" smtClean="0">
+              <a:rPr lang="en-US" dirty="0">
                 <a:latin typeface="Trebuchet MS"/>
                 <a:cs typeface="Trebuchet MS"/>
               </a:rPr>
@@ -6431,12 +6376,76 @@
           <a:lstStyle/>
           <a:p>
             <a:r>
-              <a:rPr lang="en-US" i="1" dirty="0" smtClean="0">
+              <a:rPr lang="en-US" i="1" dirty="0">
                 <a:latin typeface="LM Roman 10 Regular"/>
                 <a:cs typeface="LM Roman 10 Regular"/>
               </a:rPr>
               <a:t>x</a:t>
             </a:r>
+          </a:p>
+        </p:txBody>
+      </p:sp>
+      <p:sp>
+        <p:nvSpPr>
+          <p:cNvPr id="16" name="TextBox 15"/>
+          <p:cNvSpPr txBox="1"/>
+          <p:nvPr/>
+        </p:nvSpPr>
+        <p:spPr>
+          <a:xfrm>
+            <a:off x="421813" y="960543"/>
+            <a:ext cx="312906" cy="369332"/>
+          </a:xfrm>
+          <a:prstGeom prst="rect">
+            <a:avLst/>
+          </a:prstGeom>
+          <a:noFill/>
+        </p:spPr>
+        <p:txBody>
+          <a:bodyPr wrap="none" rtlCol="0">
+            <a:spAutoFit/>
+          </a:bodyPr>
+          <a:lstStyle/>
+          <a:p>
+            <a:r>
+              <a:rPr lang="en-US" i="1" dirty="0">
+                <a:latin typeface="LM Roman 10 Regular"/>
+                <a:cs typeface="LM Roman 10 Regular"/>
+              </a:rPr>
+              <a:t>x</a:t>
+            </a:r>
+          </a:p>
+        </p:txBody>
+      </p:sp>
+      <p:sp>
+        <p:nvSpPr>
+          <p:cNvPr id="17" name="TextBox 16"/>
+          <p:cNvSpPr txBox="1"/>
+          <p:nvPr/>
+        </p:nvSpPr>
+        <p:spPr>
+          <a:xfrm>
+            <a:off x="5835728" y="3192561"/>
+            <a:ext cx="274434" cy="369332"/>
+          </a:xfrm>
+          <a:prstGeom prst="rect">
+            <a:avLst/>
+          </a:prstGeom>
+          <a:noFill/>
+        </p:spPr>
+        <p:txBody>
+          <a:bodyPr wrap="none" rtlCol="0">
+            <a:spAutoFit/>
+          </a:bodyPr>
+          <a:lstStyle/>
+          <a:p>
+            <a:r>
+              <a:rPr lang="en-US" i="1" dirty="0" err="1">
+                <a:latin typeface="LM Roman 10 Regular"/>
+                <a:cs typeface="LM Roman 10 Regular"/>
+              </a:rPr>
+              <a:t>i</a:t>
+            </a:r>
             <a:endParaRPr lang="en-US" i="1" dirty="0">
               <a:latin typeface="LM Roman 10 Regular"/>
               <a:cs typeface="LM Roman 10 Regular"/>
@@ -6446,14 +6455,14 @@
       </p:sp>
       <p:sp>
         <p:nvSpPr>
-          <p:cNvPr id="16" name="TextBox 15"/>
+          <p:cNvPr id="18" name="TextBox 17"/>
           <p:cNvSpPr txBox="1"/>
           <p:nvPr/>
         </p:nvSpPr>
         <p:spPr>
           <a:xfrm>
-            <a:off x="421813" y="960543"/>
-            <a:ext cx="312906" cy="369332"/>
+            <a:off x="7668751" y="3319306"/>
+            <a:ext cx="274434" cy="369332"/>
           </a:xfrm>
           <a:prstGeom prst="rect">
             <a:avLst/>
@@ -6467,181 +6476,15 @@
           <a:lstStyle/>
           <a:p>
             <a:r>
-              <a:rPr lang="en-US" i="1" dirty="0" smtClean="0">
-                <a:latin typeface="LM Roman 10 Regular"/>
-                <a:cs typeface="LM Roman 10 Regular"/>
-              </a:rPr>
-              <a:t>x</a:t>
-            </a:r>
-            <a:endParaRPr lang="en-US" i="1" dirty="0">
-              <a:latin typeface="LM Roman 10 Regular"/>
-              <a:cs typeface="LM Roman 10 Regular"/>
-            </a:endParaRPr>
-          </a:p>
-        </p:txBody>
-      </p:sp>
-      <p:sp>
-        <p:nvSpPr>
-          <p:cNvPr id="17" name="TextBox 16"/>
-          <p:cNvSpPr txBox="1"/>
-          <p:nvPr/>
-        </p:nvSpPr>
-        <p:spPr>
-          <a:xfrm>
-            <a:off x="5835728" y="3192561"/>
-            <a:ext cx="274434" cy="369332"/>
-          </a:xfrm>
-          <a:prstGeom prst="rect">
-            <a:avLst/>
-          </a:prstGeom>
-          <a:noFill/>
-        </p:spPr>
-        <p:txBody>
-          <a:bodyPr wrap="none" rtlCol="0">
-            <a:spAutoFit/>
-          </a:bodyPr>
-          <a:lstStyle/>
-          <a:p>
-            <a:r>
-              <a:rPr lang="en-US" i="1" dirty="0" err="1" smtClean="0">
-                <a:latin typeface="LM Roman 10 Regular"/>
-                <a:cs typeface="LM Roman 10 Regular"/>
-              </a:rPr>
-              <a:t>i</a:t>
-            </a:r>
-            <a:endParaRPr lang="en-US" i="1" dirty="0">
-              <a:latin typeface="LM Roman 10 Regular"/>
-              <a:cs typeface="LM Roman 10 Regular"/>
-            </a:endParaRPr>
-          </a:p>
-        </p:txBody>
-      </p:sp>
-      <p:sp>
-        <p:nvSpPr>
-          <p:cNvPr id="18" name="TextBox 17"/>
-          <p:cNvSpPr txBox="1"/>
-          <p:nvPr/>
-        </p:nvSpPr>
-        <p:spPr>
-          <a:xfrm>
-            <a:off x="7668751" y="3319306"/>
-            <a:ext cx="274434" cy="369332"/>
-          </a:xfrm>
-          <a:prstGeom prst="rect">
-            <a:avLst/>
-          </a:prstGeom>
-          <a:noFill/>
-        </p:spPr>
-        <p:txBody>
-          <a:bodyPr wrap="none" rtlCol="0">
-            <a:spAutoFit/>
-          </a:bodyPr>
-          <a:lstStyle/>
-          <a:p>
-            <a:r>
-              <a:rPr lang="en-US" i="1" dirty="0" smtClean="0">
+              <a:rPr lang="en-US" i="1" dirty="0">
                 <a:latin typeface="LM Roman 10 Regular"/>
                 <a:cs typeface="LM Roman 10 Regular"/>
               </a:rPr>
               <a:t>j</a:t>
             </a:r>
-            <a:endParaRPr lang="en-US" i="1" dirty="0">
-              <a:latin typeface="LM Roman 10 Regular"/>
-              <a:cs typeface="LM Roman 10 Regular"/>
-            </a:endParaRPr>
-          </a:p>
-        </p:txBody>
-      </p:sp>
-      <p:pic>
-        <p:nvPicPr>
-          <p:cNvPr id="4" name="Picture 3" descr="Screen Shot 2014-10-04 at 5.34.53 PM.png"/>
-          <p:cNvPicPr>
-            <a:picLocks noChangeAspect="1"/>
-          </p:cNvPicPr>
-          <p:nvPr/>
-        </p:nvPicPr>
-        <p:blipFill>
-          <a:blip r:embed="rId6">
-            <a:extLst>
-              <a:ext uri="{28A0092B-C50C-407E-A947-70E740481C1C}">
-                <a14:useLocalDpi xmlns:a14="http://schemas.microsoft.com/office/drawing/2010/main" val="0"/>
-              </a:ext>
-            </a:extLst>
-          </a:blip>
-          <a:stretch>
-            <a:fillRect/>
-          </a:stretch>
-        </p:blipFill>
-        <p:spPr>
-          <a:xfrm>
-            <a:off x="295072" y="5039700"/>
-            <a:ext cx="5094957" cy="794957"/>
-          </a:xfrm>
-          <a:prstGeom prst="rect">
-            <a:avLst/>
-          </a:prstGeom>
-        </p:spPr>
-      </p:pic>
-      <p:pic>
-        <p:nvPicPr>
-          <p:cNvPr id="24" name="Picture 23" descr="Screen Shot 2014-10-04 at 5.25.03 PM.png"/>
-          <p:cNvPicPr>
-            <a:picLocks noChangeAspect="1"/>
-          </p:cNvPicPr>
-          <p:nvPr/>
-        </p:nvPicPr>
-        <p:blipFill>
-          <a:blip r:embed="rId7">
-            <a:extLst>
-              <a:ext uri="{28A0092B-C50C-407E-A947-70E740481C1C}">
-                <a14:useLocalDpi xmlns:a14="http://schemas.microsoft.com/office/drawing/2010/main" val="0"/>
-              </a:ext>
-            </a:extLst>
-          </a:blip>
-          <a:stretch>
-            <a:fillRect/>
-          </a:stretch>
-        </p:blipFill>
-        <p:spPr>
-          <a:xfrm>
-            <a:off x="344663" y="4321651"/>
-            <a:ext cx="1926105" cy="770442"/>
-          </a:xfrm>
-          <a:prstGeom prst="rect">
-            <a:avLst/>
-          </a:prstGeom>
-        </p:spPr>
-      </p:pic>
-      <p:pic>
-        <p:nvPicPr>
-          <p:cNvPr id="29" name="Picture 28" descr="Screen Shot 2014-10-04 at 5.25.03 PM.png"/>
-          <p:cNvPicPr>
-            <a:picLocks noChangeAspect="1"/>
-          </p:cNvPicPr>
-          <p:nvPr/>
-        </p:nvPicPr>
-        <p:blipFill>
-          <a:blip r:embed="rId7">
-            <a:extLst>
-              <a:ext uri="{28A0092B-C50C-407E-A947-70E740481C1C}">
-                <a14:useLocalDpi xmlns:a14="http://schemas.microsoft.com/office/drawing/2010/main" val="0"/>
-              </a:ext>
-            </a:extLst>
-          </a:blip>
-          <a:stretch>
-            <a:fillRect/>
-          </a:stretch>
-        </p:blipFill>
-        <p:spPr>
-          <a:xfrm>
-            <a:off x="2408614" y="4320121"/>
-            <a:ext cx="1926105" cy="770442"/>
-          </a:xfrm>
-          <a:prstGeom prst="rect">
-            <a:avLst/>
-          </a:prstGeom>
-        </p:spPr>
-      </p:pic>
+          </a:p>
+        </p:txBody>
+      </p:sp>
       <p:pic>
         <p:nvPicPr>
           <p:cNvPr id="30" name="Picture 29" descr="Screen Shot 2014-10-04 at 3.36.38 PM.png"/>
@@ -6707,76 +6550,6 @@
           </a:fontRef>
         </p:style>
       </p:cxnSp>
-      <p:sp>
-        <p:nvSpPr>
-          <p:cNvPr id="6" name="TextBox 5"/>
-          <p:cNvSpPr txBox="1"/>
-          <p:nvPr/>
-        </p:nvSpPr>
-        <p:spPr>
-          <a:xfrm>
-            <a:off x="2578666" y="4630807"/>
-            <a:ext cx="261610" cy="246221"/>
-          </a:xfrm>
-          <a:prstGeom prst="rect">
-            <a:avLst/>
-          </a:prstGeom>
-          <a:noFill/>
-        </p:spPr>
-        <p:txBody>
-          <a:bodyPr wrap="none" rtlCol="0">
-            <a:spAutoFit/>
-          </a:bodyPr>
-          <a:lstStyle/>
-          <a:p>
-            <a:r>
-              <a:rPr lang="en-US" sz="1000" i="1" dirty="0" smtClean="0">
-                <a:latin typeface="LM Roman 10 Regular"/>
-                <a:cs typeface="LM Roman 10 Regular"/>
-              </a:rPr>
-              <a:t>e</a:t>
-            </a:r>
-            <a:endParaRPr lang="en-US" sz="1000" i="1" dirty="0">
-              <a:latin typeface="LM Roman 10 Regular"/>
-              <a:cs typeface="LM Roman 10 Regular"/>
-            </a:endParaRPr>
-          </a:p>
-        </p:txBody>
-      </p:sp>
-      <p:sp>
-        <p:nvSpPr>
-          <p:cNvPr id="34" name="TextBox 33"/>
-          <p:cNvSpPr txBox="1"/>
-          <p:nvPr/>
-        </p:nvSpPr>
-        <p:spPr>
-          <a:xfrm>
-            <a:off x="427981" y="3874542"/>
-            <a:ext cx="1060206" cy="369332"/>
-          </a:xfrm>
-          <a:prstGeom prst="rect">
-            <a:avLst/>
-          </a:prstGeom>
-          <a:solidFill>
-            <a:srgbClr val="FFFFFF"/>
-          </a:solidFill>
-        </p:spPr>
-        <p:txBody>
-          <a:bodyPr wrap="none" rtlCol="0">
-            <a:spAutoFit/>
-          </a:bodyPr>
-          <a:lstStyle/>
-          <a:p>
-            <a:r>
-              <a:rPr lang="en-US" dirty="0" smtClean="0">
-                <a:latin typeface="Trebuchet MS"/>
-                <a:cs typeface="Trebuchet MS"/>
-              </a:rPr>
-              <a:t>Contrast</a:t>
-            </a:r>
-          </a:p>
-        </p:txBody>
-      </p:sp>
       <p:sp>
         <p:nvSpPr>
           <p:cNvPr id="23" name="Freeform 22"/>
@@ -6952,149 +6725,318 @@
       </p:sp>
       <p:sp>
         <p:nvSpPr>
-          <p:cNvPr id="37" name="Rectangle 36"/>
-          <p:cNvSpPr/>
+          <p:cNvPr id="40" name="TextBox 39"/>
+          <p:cNvSpPr txBox="1"/>
           <p:nvPr/>
         </p:nvSpPr>
         <p:spPr>
           <a:xfrm>
-            <a:off x="5157325" y="5246522"/>
-            <a:ext cx="346388" cy="500280"/>
+            <a:off x="5489339" y="947731"/>
+            <a:ext cx="261610" cy="246221"/>
           </a:xfrm>
           <a:prstGeom prst="rect">
             <a:avLst/>
           </a:prstGeom>
-          <a:solidFill>
-            <a:srgbClr val="FFFFFF"/>
-          </a:solidFill>
+          <a:noFill/>
+        </p:spPr>
+        <p:txBody>
+          <a:bodyPr wrap="none" rtlCol="0">
+            <a:spAutoFit/>
+          </a:bodyPr>
+          <a:lstStyle/>
+          <a:p>
+            <a:r>
+              <a:rPr lang="en-US" sz="1000" i="1" dirty="0">
+                <a:latin typeface="LM Roman 10 Regular"/>
+                <a:cs typeface="LM Roman 10 Regular"/>
+              </a:rPr>
+              <a:t>e</a:t>
+            </a:r>
+          </a:p>
+        </p:txBody>
+      </p:sp>
+      <p:pic>
+        <p:nvPicPr>
+          <p:cNvPr id="25" name="Picture 24" descr="Screen Shot 2014-10-04 at 6.03.49 PM.png">
+            <a:extLst>
+              <a:ext uri="{FF2B5EF4-FFF2-40B4-BE49-F238E27FC236}">
+                <a16:creationId xmlns:a16="http://schemas.microsoft.com/office/drawing/2014/main" id="{BAAF765D-F060-7D4A-A39A-A3561ACF376E}"/>
+              </a:ext>
+            </a:extLst>
+          </p:cNvPr>
+          <p:cNvPicPr>
+            <a:picLocks noChangeAspect="1"/>
+          </p:cNvPicPr>
+          <p:nvPr/>
+        </p:nvPicPr>
+        <p:blipFill>
+          <a:blip r:embed="rId6">
+            <a:extLst>
+              <a:ext uri="{28A0092B-C50C-407E-A947-70E740481C1C}">
+                <a14:useLocalDpi xmlns:a14="http://schemas.microsoft.com/office/drawing/2010/main" val="0"/>
+              </a:ext>
+            </a:extLst>
+          </a:blip>
+          <a:stretch>
+            <a:fillRect/>
+          </a:stretch>
+        </p:blipFill>
+        <p:spPr>
+          <a:xfrm>
+            <a:off x="4537379" y="4248945"/>
+            <a:ext cx="2103943" cy="2103943"/>
+          </a:xfrm>
+          <a:prstGeom prst="rect">
+            <a:avLst/>
+          </a:prstGeom>
+        </p:spPr>
+      </p:pic>
+      <p:pic>
+        <p:nvPicPr>
+          <p:cNvPr id="26" name="Picture 25" descr="Screen Shot 2014-10-04 at 6.05.10 PM.png">
+            <a:extLst>
+              <a:ext uri="{FF2B5EF4-FFF2-40B4-BE49-F238E27FC236}">
+                <a16:creationId xmlns:a16="http://schemas.microsoft.com/office/drawing/2014/main" id="{50684500-B986-B14F-B28D-E6CECA76D55A}"/>
+              </a:ext>
+            </a:extLst>
+          </p:cNvPr>
+          <p:cNvPicPr>
+            <a:picLocks noChangeAspect="1"/>
+          </p:cNvPicPr>
+          <p:nvPr/>
+        </p:nvPicPr>
+        <p:blipFill>
+          <a:blip r:embed="rId7">
+            <a:extLst>
+              <a:ext uri="{28A0092B-C50C-407E-A947-70E740481C1C}">
+                <a14:useLocalDpi xmlns:a14="http://schemas.microsoft.com/office/drawing/2010/main" val="0"/>
+              </a:ext>
+            </a:extLst>
+          </a:blip>
+          <a:stretch>
+            <a:fillRect/>
+          </a:stretch>
+        </p:blipFill>
+        <p:spPr>
+          <a:xfrm>
+            <a:off x="1523876" y="4248945"/>
+            <a:ext cx="2101149" cy="2094806"/>
+          </a:xfrm>
+          <a:prstGeom prst="rect">
+            <a:avLst/>
+          </a:prstGeom>
+        </p:spPr>
+      </p:pic>
+      <p:pic>
+        <p:nvPicPr>
+          <p:cNvPr id="28" name="Picture 27" descr="Screen Shot 2014-10-04 at 3.36.38 PM.png">
+            <a:extLst>
+              <a:ext uri="{FF2B5EF4-FFF2-40B4-BE49-F238E27FC236}">
+                <a16:creationId xmlns:a16="http://schemas.microsoft.com/office/drawing/2014/main" id="{5BAD5430-BC9D-BC49-B3F2-6C234675139A}"/>
+              </a:ext>
+            </a:extLst>
+          </p:cNvPr>
+          <p:cNvPicPr>
+            <a:picLocks noChangeAspect="1"/>
+          </p:cNvPicPr>
+          <p:nvPr/>
+        </p:nvPicPr>
+        <p:blipFill>
+          <a:blip r:embed="rId5">
+            <a:extLst>
+              <a:ext uri="{28A0092B-C50C-407E-A947-70E740481C1C}">
+                <a14:useLocalDpi xmlns:a14="http://schemas.microsoft.com/office/drawing/2010/main" val="0"/>
+              </a:ext>
+            </a:extLst>
+          </a:blip>
+          <a:stretch>
+            <a:fillRect/>
+          </a:stretch>
+        </p:blipFill>
+        <p:spPr>
+          <a:xfrm>
+            <a:off x="1180826" y="5936778"/>
+            <a:ext cx="292100" cy="469900"/>
+          </a:xfrm>
+          <a:prstGeom prst="rect">
+            <a:avLst/>
+          </a:prstGeom>
+        </p:spPr>
+      </p:pic>
+      <p:pic>
+        <p:nvPicPr>
+          <p:cNvPr id="32" name="Picture 31" descr="Screen Shot 2014-10-04 at 3.36.38 PM.png">
+            <a:extLst>
+              <a:ext uri="{FF2B5EF4-FFF2-40B4-BE49-F238E27FC236}">
+                <a16:creationId xmlns:a16="http://schemas.microsoft.com/office/drawing/2014/main" id="{5483507E-BEE5-A04D-B75B-D37955880EBB}"/>
+              </a:ext>
+            </a:extLst>
+          </p:cNvPr>
+          <p:cNvPicPr>
+            <a:picLocks noChangeAspect="1"/>
+          </p:cNvPicPr>
+          <p:nvPr/>
+        </p:nvPicPr>
+        <p:blipFill>
+          <a:blip r:embed="rId5">
+            <a:extLst>
+              <a:ext uri="{28A0092B-C50C-407E-A947-70E740481C1C}">
+                <a14:useLocalDpi xmlns:a14="http://schemas.microsoft.com/office/drawing/2010/main" val="0"/>
+              </a:ext>
+            </a:extLst>
+          </a:blip>
+          <a:stretch>
+            <a:fillRect/>
+          </a:stretch>
+        </p:blipFill>
+        <p:spPr>
+          <a:xfrm>
+            <a:off x="6693872" y="5897188"/>
+            <a:ext cx="292100" cy="469900"/>
+          </a:xfrm>
+          <a:prstGeom prst="rect">
+            <a:avLst/>
+          </a:prstGeom>
+        </p:spPr>
+      </p:pic>
+      <p:sp>
+        <p:nvSpPr>
+          <p:cNvPr id="33" name="TextBox 32">
+            <a:extLst>
+              <a:ext uri="{FF2B5EF4-FFF2-40B4-BE49-F238E27FC236}">
+                <a16:creationId xmlns:a16="http://schemas.microsoft.com/office/drawing/2014/main" id="{9103F573-249A-8640-A5FE-CABF43710B8E}"/>
+              </a:ext>
+            </a:extLst>
+          </p:cNvPr>
+          <p:cNvSpPr txBox="1"/>
+          <p:nvPr/>
+        </p:nvSpPr>
+        <p:spPr>
+          <a:xfrm>
+            <a:off x="6871448" y="6103042"/>
+            <a:ext cx="261610" cy="246221"/>
+          </a:xfrm>
+          <a:prstGeom prst="rect">
+            <a:avLst/>
+          </a:prstGeom>
+          <a:noFill/>
+        </p:spPr>
+        <p:txBody>
+          <a:bodyPr wrap="none" rtlCol="0">
+            <a:spAutoFit/>
+          </a:bodyPr>
+          <a:lstStyle/>
+          <a:p>
+            <a:r>
+              <a:rPr lang="en-US" sz="1000" i="1" dirty="0">
+                <a:latin typeface="LM Roman 10 Regular"/>
+                <a:cs typeface="LM Roman 10 Regular"/>
+              </a:rPr>
+              <a:t>e</a:t>
+            </a:r>
+          </a:p>
+        </p:txBody>
+      </p:sp>
+      <p:cxnSp>
+        <p:nvCxnSpPr>
+          <p:cNvPr id="5" name="Straight Arrow Connector 4">
+            <a:extLst>
+              <a:ext uri="{FF2B5EF4-FFF2-40B4-BE49-F238E27FC236}">
+                <a16:creationId xmlns:a16="http://schemas.microsoft.com/office/drawing/2014/main" id="{ED312ACC-8FE5-A64B-A846-701DE05C1FDD}"/>
+              </a:ext>
+            </a:extLst>
+          </p:cNvPr>
+          <p:cNvCxnSpPr>
+            <a:stCxn id="8" idx="2"/>
+            <a:endCxn id="26" idx="0"/>
+          </p:cNvCxnSpPr>
+          <p:nvPr/>
+        </p:nvCxnSpPr>
+        <p:spPr>
+          <a:xfrm flipH="1">
+            <a:off x="2574451" y="3443965"/>
+            <a:ext cx="1453949" cy="804980"/>
+          </a:xfrm>
+          <a:prstGeom prst="straightConnector1">
+            <a:avLst/>
+          </a:prstGeom>
           <a:ln>
-            <a:noFill/>
+            <a:tailEnd type="triangle"/>
           </a:ln>
-          <a:effectLst/>
         </p:spPr>
         <p:style>
           <a:lnRef idx="1">
             <a:schemeClr val="accent1"/>
           </a:lnRef>
-          <a:fillRef idx="3">
+          <a:fillRef idx="0">
             <a:schemeClr val="accent1"/>
           </a:fillRef>
-          <a:effectRef idx="2">
+          <a:effectRef idx="0">
             <a:schemeClr val="accent1"/>
           </a:effectRef>
           <a:fontRef idx="minor">
-            <a:schemeClr val="lt1"/>
+            <a:schemeClr val="tx1"/>
           </a:fontRef>
         </p:style>
-        <p:txBody>
-          <a:bodyPr rtlCol="0" anchor="ctr"/>
-          <a:lstStyle/>
-          <a:p>
-            <a:pPr algn="ctr"/>
-            <a:endParaRPr lang="en-US"/>
-          </a:p>
-        </p:txBody>
-      </p:sp>
-      <p:sp>
-        <p:nvSpPr>
-          <p:cNvPr id="38" name="Rectangle 37"/>
-          <p:cNvSpPr/>
+      </p:cxnSp>
+      <p:cxnSp>
+        <p:nvCxnSpPr>
+          <p:cNvPr id="12" name="Straight Arrow Connector 11">
+            <a:extLst>
+              <a:ext uri="{FF2B5EF4-FFF2-40B4-BE49-F238E27FC236}">
+                <a16:creationId xmlns:a16="http://schemas.microsoft.com/office/drawing/2014/main" id="{0984A8E9-AE92-584D-AEBE-F65305EE7D4E}"/>
+              </a:ext>
+            </a:extLst>
+          </p:cNvPr>
+          <p:cNvCxnSpPr>
+            <a:stCxn id="8" idx="2"/>
+            <a:endCxn id="25" idx="0"/>
+          </p:cNvCxnSpPr>
           <p:nvPr/>
-        </p:nvSpPr>
-        <p:spPr>
-          <a:xfrm>
-            <a:off x="1704730" y="5270645"/>
-            <a:ext cx="346388" cy="500280"/>
-          </a:xfrm>
-          <a:prstGeom prst="rect">
+        </p:nvCxnSpPr>
+        <p:spPr>
+          <a:xfrm>
+            <a:off x="4028400" y="3443965"/>
+            <a:ext cx="1560951" cy="804980"/>
+          </a:xfrm>
+          <a:prstGeom prst="straightConnector1">
             <a:avLst/>
           </a:prstGeom>
-          <a:solidFill>
-            <a:srgbClr val="FFFFFF"/>
-          </a:solidFill>
           <a:ln>
-            <a:noFill/>
+            <a:tailEnd type="triangle"/>
           </a:ln>
-          <a:effectLst/>
         </p:spPr>
         <p:style>
           <a:lnRef idx="1">
             <a:schemeClr val="accent1"/>
           </a:lnRef>
-          <a:fillRef idx="3">
+          <a:fillRef idx="0">
             <a:schemeClr val="accent1"/>
           </a:fillRef>
-          <a:effectRef idx="2">
+          <a:effectRef idx="0">
             <a:schemeClr val="accent1"/>
           </a:effectRef>
           <a:fontRef idx="minor">
-            <a:schemeClr val="lt1"/>
+            <a:schemeClr val="tx1"/>
           </a:fontRef>
         </p:style>
-        <p:txBody>
-          <a:bodyPr rtlCol="0" anchor="ctr"/>
-          <a:lstStyle/>
-          <a:p>
-            <a:pPr algn="ctr"/>
-            <a:endParaRPr lang="en-US"/>
-          </a:p>
-        </p:txBody>
-      </p:sp>
-      <p:sp>
-        <p:nvSpPr>
-          <p:cNvPr id="39" name="Rectangle 38"/>
-          <p:cNvSpPr/>
-          <p:nvPr/>
-        </p:nvSpPr>
-        <p:spPr>
-          <a:xfrm>
-            <a:off x="3293997" y="5128008"/>
-            <a:ext cx="346388" cy="500280"/>
-          </a:xfrm>
-          <a:prstGeom prst="rect">
-            <a:avLst/>
-          </a:prstGeom>
-          <a:solidFill>
-            <a:srgbClr val="FFFFFF"/>
-          </a:solidFill>
-          <a:ln>
-            <a:noFill/>
-          </a:ln>
-          <a:effectLst/>
-        </p:spPr>
-        <p:style>
-          <a:lnRef idx="1">
-            <a:schemeClr val="accent1"/>
-          </a:lnRef>
-          <a:fillRef idx="3">
-            <a:schemeClr val="accent1"/>
-          </a:fillRef>
-          <a:effectRef idx="2">
-            <a:schemeClr val="accent1"/>
-          </a:effectRef>
-          <a:fontRef idx="minor">
-            <a:schemeClr val="lt1"/>
-          </a:fontRef>
-        </p:style>
-        <p:txBody>
-          <a:bodyPr rtlCol="0" anchor="ctr"/>
-          <a:lstStyle/>
-          <a:p>
-            <a:pPr algn="ctr"/>
-            <a:endParaRPr lang="en-US"/>
-          </a:p>
-        </p:txBody>
-      </p:sp>
-      <p:sp>
-        <p:nvSpPr>
-          <p:cNvPr id="40" name="TextBox 39"/>
+      </p:cxnSp>
+      <p:sp>
+        <p:nvSpPr>
+          <p:cNvPr id="14" name="TextBox 13">
+            <a:extLst>
+              <a:ext uri="{FF2B5EF4-FFF2-40B4-BE49-F238E27FC236}">
+                <a16:creationId xmlns:a16="http://schemas.microsoft.com/office/drawing/2014/main" id="{27353304-03F0-5A41-A80F-E5E66998A1A8}"/>
+              </a:ext>
+            </a:extLst>
+          </p:cNvPr>
           <p:cNvSpPr txBox="1"/>
           <p:nvPr/>
         </p:nvSpPr>
         <p:spPr>
           <a:xfrm>
-            <a:off x="5489339" y="947731"/>
-            <a:ext cx="261610" cy="246221"/>
+            <a:off x="421813" y="273433"/>
+            <a:ext cx="2753446" cy="523220"/>
           </a:xfrm>
           <a:prstGeom prst="rect">
             <a:avLst/>
@@ -7108,88 +7050,9 @@
           <a:lstStyle/>
           <a:p>
             <a:r>
-              <a:rPr lang="en-US" sz="1000" i="1" dirty="0" smtClean="0">
-                <a:latin typeface="LM Roman 10 Regular"/>
-                <a:cs typeface="LM Roman 10 Regular"/>
-              </a:rPr>
-              <a:t>e</a:t>
-            </a:r>
-            <a:endParaRPr lang="en-US" sz="1000" i="1" dirty="0">
-              <a:latin typeface="LM Roman 10 Regular"/>
-              <a:cs typeface="LM Roman 10 Regular"/>
-            </a:endParaRPr>
-          </a:p>
-        </p:txBody>
-      </p:sp>
-      <p:sp>
-        <p:nvSpPr>
-          <p:cNvPr id="41" name="TextBox 40"/>
-          <p:cNvSpPr txBox="1"/>
-          <p:nvPr/>
-        </p:nvSpPr>
-        <p:spPr>
-          <a:xfrm>
-            <a:off x="3539293" y="4821691"/>
-            <a:ext cx="261610" cy="246221"/>
-          </a:xfrm>
-          <a:prstGeom prst="rect">
-            <a:avLst/>
-          </a:prstGeom>
-          <a:noFill/>
-        </p:spPr>
-        <p:txBody>
-          <a:bodyPr wrap="none" rtlCol="0">
-            <a:spAutoFit/>
-          </a:bodyPr>
-          <a:lstStyle/>
-          <a:p>
-            <a:r>
-              <a:rPr lang="en-US" sz="1000" i="1" dirty="0" smtClean="0">
-                <a:latin typeface="LM Roman 10 Regular"/>
-                <a:cs typeface="LM Roman 10 Regular"/>
-              </a:rPr>
-              <a:t>e</a:t>
-            </a:r>
-            <a:endParaRPr lang="en-US" sz="1000" i="1" dirty="0">
-              <a:latin typeface="LM Roman 10 Regular"/>
-              <a:cs typeface="LM Roman 10 Regular"/>
-            </a:endParaRPr>
-          </a:p>
-        </p:txBody>
-      </p:sp>
-      <p:sp>
-        <p:nvSpPr>
-          <p:cNvPr id="42" name="TextBox 41"/>
-          <p:cNvSpPr txBox="1"/>
-          <p:nvPr/>
-        </p:nvSpPr>
-        <p:spPr>
-          <a:xfrm>
-            <a:off x="3063072" y="4756015"/>
-            <a:ext cx="261610" cy="246221"/>
-          </a:xfrm>
-          <a:prstGeom prst="rect">
-            <a:avLst/>
-          </a:prstGeom>
-          <a:noFill/>
-        </p:spPr>
-        <p:txBody>
-          <a:bodyPr wrap="none" rtlCol="0">
-            <a:spAutoFit/>
-          </a:bodyPr>
-          <a:lstStyle/>
-          <a:p>
-            <a:r>
-              <a:rPr lang="en-US" sz="1000" i="1" dirty="0" smtClean="0">
-                <a:latin typeface="LM Roman 10 Regular"/>
-                <a:cs typeface="LM Roman 10 Regular"/>
-              </a:rPr>
-              <a:t>e</a:t>
-            </a:r>
-            <a:endParaRPr lang="en-US" sz="1000" i="1" dirty="0">
-              <a:latin typeface="LM Roman 10 Regular"/>
-              <a:cs typeface="LM Roman 10 Regular"/>
-            </a:endParaRPr>
+              <a:rPr lang="en-US" sz="2800" dirty="0"/>
+              <a:t>Contrast Features</a:t>
+            </a:r>
           </a:p>
         </p:txBody>
       </p:sp>
@@ -7203,13 +7066,6 @@
   <p:clrMapOvr>
     <a:masterClrMapping/>
   </p:clrMapOvr>
-  <p:timing>
-    <p:tnLst>
-      <p:par>
-        <p:cTn id="1" dur="indefinite" restart="never" nodeType="tmRoot"/>
-      </p:par>
-    </p:tnLst>
-  </p:timing>
 </p:sld>
 </file>
 
@@ -7230,6 +7086,979 @@
           <a:chExt cx="0" cy="0"/>
         </a:xfrm>
       </p:grpSpPr>
+      <p:pic>
+        <p:nvPicPr>
+          <p:cNvPr id="3" name="Picture 2" descr="Screen Shot 2014-10-04 at 3.20.39 PM.png"/>
+          <p:cNvPicPr>
+            <a:picLocks noChangeAspect="1"/>
+          </p:cNvPicPr>
+          <p:nvPr/>
+        </p:nvPicPr>
+        <p:blipFill>
+          <a:blip r:embed="rId2">
+            <a:extLst>
+              <a:ext uri="{28A0092B-C50C-407E-A947-70E740481C1C}">
+                <a14:useLocalDpi xmlns:a14="http://schemas.microsoft.com/office/drawing/2010/main" val="0"/>
+              </a:ext>
+            </a:extLst>
+          </a:blip>
+          <a:stretch>
+            <a:fillRect/>
+          </a:stretch>
+        </p:blipFill>
+        <p:spPr>
+          <a:xfrm>
+            <a:off x="451380" y="1340022"/>
+            <a:ext cx="2123071" cy="2103944"/>
+          </a:xfrm>
+          <a:prstGeom prst="rect">
+            <a:avLst/>
+          </a:prstGeom>
+        </p:spPr>
+      </p:pic>
+      <p:pic>
+        <p:nvPicPr>
+          <p:cNvPr id="8" name="Picture 7" descr="Screen Shot 2014-10-04 at 3.23.07 PM.png"/>
+          <p:cNvPicPr>
+            <a:picLocks noChangeAspect="1"/>
+          </p:cNvPicPr>
+          <p:nvPr/>
+        </p:nvPicPr>
+        <p:blipFill>
+          <a:blip r:embed="rId3">
+            <a:extLst>
+              <a:ext uri="{28A0092B-C50C-407E-A947-70E740481C1C}">
+                <a14:useLocalDpi xmlns:a14="http://schemas.microsoft.com/office/drawing/2010/main" val="0"/>
+              </a:ext>
+            </a:extLst>
+          </a:blip>
+          <a:stretch>
+            <a:fillRect/>
+          </a:stretch>
+        </p:blipFill>
+        <p:spPr>
+          <a:xfrm>
+            <a:off x="2976428" y="1333645"/>
+            <a:ext cx="2103944" cy="2110320"/>
+          </a:xfrm>
+          <a:prstGeom prst="rect">
+            <a:avLst/>
+          </a:prstGeom>
+        </p:spPr>
+      </p:pic>
+      <p:pic>
+        <p:nvPicPr>
+          <p:cNvPr id="10" name="Picture 9"/>
+          <p:cNvPicPr>
+            <a:picLocks noChangeAspect="1"/>
+          </p:cNvPicPr>
+          <p:nvPr/>
+        </p:nvPicPr>
+        <p:blipFill>
+          <a:blip r:embed="rId4"/>
+          <a:stretch>
+            <a:fillRect/>
+          </a:stretch>
+        </p:blipFill>
+        <p:spPr>
+          <a:xfrm>
+            <a:off x="5525068" y="1145742"/>
+            <a:ext cx="3095354" cy="2326322"/>
+          </a:xfrm>
+          <a:prstGeom prst="rect">
+            <a:avLst/>
+          </a:prstGeom>
+        </p:spPr>
+      </p:pic>
+      <p:pic>
+        <p:nvPicPr>
+          <p:cNvPr id="11" name="Picture 10" descr="Screen Shot 2014-10-04 at 3.36.38 PM.png"/>
+          <p:cNvPicPr>
+            <a:picLocks noChangeAspect="1"/>
+          </p:cNvPicPr>
+          <p:nvPr/>
+        </p:nvPicPr>
+        <p:blipFill>
+          <a:blip r:embed="rId5">
+            <a:extLst>
+              <a:ext uri="{28A0092B-C50C-407E-A947-70E740481C1C}">
+                <a14:useLocalDpi xmlns:a14="http://schemas.microsoft.com/office/drawing/2010/main" val="0"/>
+              </a:ext>
+            </a:extLst>
+          </a:blip>
+          <a:stretch>
+            <a:fillRect/>
+          </a:stretch>
+        </p:blipFill>
+        <p:spPr>
+          <a:xfrm>
+            <a:off x="4554717" y="634315"/>
+            <a:ext cx="292100" cy="469900"/>
+          </a:xfrm>
+          <a:prstGeom prst="rect">
+            <a:avLst/>
+          </a:prstGeom>
+        </p:spPr>
+      </p:pic>
+      <p:cxnSp>
+        <p:nvCxnSpPr>
+          <p:cNvPr id="13" name="Straight Connector 12"/>
+          <p:cNvCxnSpPr>
+            <a:stCxn id="11" idx="2"/>
+          </p:cNvCxnSpPr>
+          <p:nvPr/>
+        </p:nvCxnSpPr>
+        <p:spPr>
+          <a:xfrm flipH="1">
+            <a:off x="4067003" y="1104215"/>
+            <a:ext cx="633764" cy="1097911"/>
+          </a:xfrm>
+          <a:prstGeom prst="line">
+            <a:avLst/>
+          </a:prstGeom>
+          <a:ln>
+            <a:solidFill>
+              <a:srgbClr val="0000FF"/>
+            </a:solidFill>
+          </a:ln>
+        </p:spPr>
+        <p:style>
+          <a:lnRef idx="2">
+            <a:schemeClr val="accent1"/>
+          </a:lnRef>
+          <a:fillRef idx="0">
+            <a:schemeClr val="accent1"/>
+          </a:fillRef>
+          <a:effectRef idx="1">
+            <a:schemeClr val="accent1"/>
+          </a:effectRef>
+          <a:fontRef idx="minor">
+            <a:schemeClr val="tx1"/>
+          </a:fontRef>
+        </p:style>
+      </p:cxnSp>
+      <p:sp>
+        <p:nvSpPr>
+          <p:cNvPr id="9" name="TextBox 8"/>
+          <p:cNvSpPr txBox="1"/>
+          <p:nvPr/>
+        </p:nvSpPr>
+        <p:spPr>
+          <a:xfrm>
+            <a:off x="5696157" y="1334079"/>
+            <a:ext cx="312906" cy="369332"/>
+          </a:xfrm>
+          <a:prstGeom prst="rect">
+            <a:avLst/>
+          </a:prstGeom>
+          <a:noFill/>
+        </p:spPr>
+        <p:txBody>
+          <a:bodyPr wrap="none" rtlCol="0">
+            <a:spAutoFit/>
+          </a:bodyPr>
+          <a:lstStyle/>
+          <a:p>
+            <a:r>
+              <a:rPr lang="en-US" i="1" dirty="0">
+                <a:latin typeface="LM Roman 10 Regular"/>
+                <a:cs typeface="LM Roman 10 Regular"/>
+              </a:rPr>
+              <a:t>x</a:t>
+            </a:r>
+          </a:p>
+        </p:txBody>
+      </p:sp>
+      <p:sp>
+        <p:nvSpPr>
+          <p:cNvPr id="16" name="TextBox 15"/>
+          <p:cNvSpPr txBox="1"/>
+          <p:nvPr/>
+        </p:nvSpPr>
+        <p:spPr>
+          <a:xfrm>
+            <a:off x="421813" y="960543"/>
+            <a:ext cx="312906" cy="369332"/>
+          </a:xfrm>
+          <a:prstGeom prst="rect">
+            <a:avLst/>
+          </a:prstGeom>
+          <a:noFill/>
+        </p:spPr>
+        <p:txBody>
+          <a:bodyPr wrap="none" rtlCol="0">
+            <a:spAutoFit/>
+          </a:bodyPr>
+          <a:lstStyle/>
+          <a:p>
+            <a:r>
+              <a:rPr lang="en-US" i="1" dirty="0">
+                <a:latin typeface="LM Roman 10 Regular"/>
+                <a:cs typeface="LM Roman 10 Regular"/>
+              </a:rPr>
+              <a:t>x</a:t>
+            </a:r>
+          </a:p>
+        </p:txBody>
+      </p:sp>
+      <p:sp>
+        <p:nvSpPr>
+          <p:cNvPr id="17" name="TextBox 16"/>
+          <p:cNvSpPr txBox="1"/>
+          <p:nvPr/>
+        </p:nvSpPr>
+        <p:spPr>
+          <a:xfrm>
+            <a:off x="5835728" y="3192561"/>
+            <a:ext cx="274434" cy="369332"/>
+          </a:xfrm>
+          <a:prstGeom prst="rect">
+            <a:avLst/>
+          </a:prstGeom>
+          <a:noFill/>
+        </p:spPr>
+        <p:txBody>
+          <a:bodyPr wrap="none" rtlCol="0">
+            <a:spAutoFit/>
+          </a:bodyPr>
+          <a:lstStyle/>
+          <a:p>
+            <a:r>
+              <a:rPr lang="en-US" i="1" dirty="0" err="1">
+                <a:latin typeface="LM Roman 10 Regular"/>
+                <a:cs typeface="LM Roman 10 Regular"/>
+              </a:rPr>
+              <a:t>i</a:t>
+            </a:r>
+            <a:endParaRPr lang="en-US" i="1" dirty="0">
+              <a:latin typeface="LM Roman 10 Regular"/>
+              <a:cs typeface="LM Roman 10 Regular"/>
+            </a:endParaRPr>
+          </a:p>
+        </p:txBody>
+      </p:sp>
+      <p:sp>
+        <p:nvSpPr>
+          <p:cNvPr id="18" name="TextBox 17"/>
+          <p:cNvSpPr txBox="1"/>
+          <p:nvPr/>
+        </p:nvSpPr>
+        <p:spPr>
+          <a:xfrm>
+            <a:off x="7668751" y="3319306"/>
+            <a:ext cx="274434" cy="369332"/>
+          </a:xfrm>
+          <a:prstGeom prst="rect">
+            <a:avLst/>
+          </a:prstGeom>
+          <a:noFill/>
+        </p:spPr>
+        <p:txBody>
+          <a:bodyPr wrap="none" rtlCol="0">
+            <a:spAutoFit/>
+          </a:bodyPr>
+          <a:lstStyle/>
+          <a:p>
+            <a:r>
+              <a:rPr lang="en-US" i="1" dirty="0">
+                <a:latin typeface="LM Roman 10 Regular"/>
+                <a:cs typeface="LM Roman 10 Regular"/>
+              </a:rPr>
+              <a:t>j</a:t>
+            </a:r>
+          </a:p>
+        </p:txBody>
+      </p:sp>
+      <p:pic>
+        <p:nvPicPr>
+          <p:cNvPr id="4" name="Picture 3" descr="Screen Shot 2014-10-04 at 5.34.53 PM.png"/>
+          <p:cNvPicPr>
+            <a:picLocks noChangeAspect="1"/>
+          </p:cNvPicPr>
+          <p:nvPr/>
+        </p:nvPicPr>
+        <p:blipFill>
+          <a:blip r:embed="rId6">
+            <a:extLst>
+              <a:ext uri="{28A0092B-C50C-407E-A947-70E740481C1C}">
+                <a14:useLocalDpi xmlns:a14="http://schemas.microsoft.com/office/drawing/2010/main" val="0"/>
+              </a:ext>
+            </a:extLst>
+          </a:blip>
+          <a:stretch>
+            <a:fillRect/>
+          </a:stretch>
+        </p:blipFill>
+        <p:spPr>
+          <a:xfrm>
+            <a:off x="295072" y="5039700"/>
+            <a:ext cx="5094957" cy="794957"/>
+          </a:xfrm>
+          <a:prstGeom prst="rect">
+            <a:avLst/>
+          </a:prstGeom>
+        </p:spPr>
+      </p:pic>
+      <p:pic>
+        <p:nvPicPr>
+          <p:cNvPr id="24" name="Picture 23" descr="Screen Shot 2014-10-04 at 5.25.03 PM.png"/>
+          <p:cNvPicPr>
+            <a:picLocks noChangeAspect="1"/>
+          </p:cNvPicPr>
+          <p:nvPr/>
+        </p:nvPicPr>
+        <p:blipFill>
+          <a:blip r:embed="rId7">
+            <a:extLst>
+              <a:ext uri="{28A0092B-C50C-407E-A947-70E740481C1C}">
+                <a14:useLocalDpi xmlns:a14="http://schemas.microsoft.com/office/drawing/2010/main" val="0"/>
+              </a:ext>
+            </a:extLst>
+          </a:blip>
+          <a:stretch>
+            <a:fillRect/>
+          </a:stretch>
+        </p:blipFill>
+        <p:spPr>
+          <a:xfrm>
+            <a:off x="344663" y="4321651"/>
+            <a:ext cx="1926105" cy="770442"/>
+          </a:xfrm>
+          <a:prstGeom prst="rect">
+            <a:avLst/>
+          </a:prstGeom>
+        </p:spPr>
+      </p:pic>
+      <p:pic>
+        <p:nvPicPr>
+          <p:cNvPr id="29" name="Picture 28" descr="Screen Shot 2014-10-04 at 5.25.03 PM.png"/>
+          <p:cNvPicPr>
+            <a:picLocks noChangeAspect="1"/>
+          </p:cNvPicPr>
+          <p:nvPr/>
+        </p:nvPicPr>
+        <p:blipFill>
+          <a:blip r:embed="rId7">
+            <a:extLst>
+              <a:ext uri="{28A0092B-C50C-407E-A947-70E740481C1C}">
+                <a14:useLocalDpi xmlns:a14="http://schemas.microsoft.com/office/drawing/2010/main" val="0"/>
+              </a:ext>
+            </a:extLst>
+          </a:blip>
+          <a:stretch>
+            <a:fillRect/>
+          </a:stretch>
+        </p:blipFill>
+        <p:spPr>
+          <a:xfrm>
+            <a:off x="2408614" y="4320121"/>
+            <a:ext cx="1926105" cy="770442"/>
+          </a:xfrm>
+          <a:prstGeom prst="rect">
+            <a:avLst/>
+          </a:prstGeom>
+        </p:spPr>
+      </p:pic>
+      <p:pic>
+        <p:nvPicPr>
+          <p:cNvPr id="30" name="Picture 29" descr="Screen Shot 2014-10-04 at 3.36.38 PM.png"/>
+          <p:cNvPicPr>
+            <a:picLocks noChangeAspect="1"/>
+          </p:cNvPicPr>
+          <p:nvPr/>
+        </p:nvPicPr>
+        <p:blipFill>
+          <a:blip r:embed="rId5">
+            <a:extLst>
+              <a:ext uri="{28A0092B-C50C-407E-A947-70E740481C1C}">
+                <a14:useLocalDpi xmlns:a14="http://schemas.microsoft.com/office/drawing/2010/main" val="0"/>
+              </a:ext>
+            </a:extLst>
+          </a:blip>
+          <a:stretch>
+            <a:fillRect/>
+          </a:stretch>
+        </p:blipFill>
+        <p:spPr>
+          <a:xfrm>
+            <a:off x="5297251" y="786715"/>
+            <a:ext cx="292100" cy="469900"/>
+          </a:xfrm>
+          <a:prstGeom prst="rect">
+            <a:avLst/>
+          </a:prstGeom>
+        </p:spPr>
+      </p:pic>
+      <p:cxnSp>
+        <p:nvCxnSpPr>
+          <p:cNvPr id="31" name="Straight Connector 30"/>
+          <p:cNvCxnSpPr/>
+          <p:nvPr/>
+        </p:nvCxnSpPr>
+        <p:spPr>
+          <a:xfrm flipH="1">
+            <a:off x="4464555" y="1231458"/>
+            <a:ext cx="846727" cy="1013387"/>
+          </a:xfrm>
+          <a:prstGeom prst="line">
+            <a:avLst/>
+          </a:prstGeom>
+          <a:ln>
+            <a:solidFill>
+              <a:srgbClr val="FF0000"/>
+            </a:solidFill>
+          </a:ln>
+        </p:spPr>
+        <p:style>
+          <a:lnRef idx="2">
+            <a:schemeClr val="accent1"/>
+          </a:lnRef>
+          <a:fillRef idx="0">
+            <a:schemeClr val="accent1"/>
+          </a:fillRef>
+          <a:effectRef idx="1">
+            <a:schemeClr val="accent1"/>
+          </a:effectRef>
+          <a:fontRef idx="minor">
+            <a:schemeClr val="tx1"/>
+          </a:fontRef>
+        </p:style>
+      </p:cxnSp>
+      <p:sp>
+        <p:nvSpPr>
+          <p:cNvPr id="6" name="TextBox 5"/>
+          <p:cNvSpPr txBox="1"/>
+          <p:nvPr/>
+        </p:nvSpPr>
+        <p:spPr>
+          <a:xfrm>
+            <a:off x="2578666" y="4630807"/>
+            <a:ext cx="261610" cy="246221"/>
+          </a:xfrm>
+          <a:prstGeom prst="rect">
+            <a:avLst/>
+          </a:prstGeom>
+          <a:noFill/>
+        </p:spPr>
+        <p:txBody>
+          <a:bodyPr wrap="none" rtlCol="0">
+            <a:spAutoFit/>
+          </a:bodyPr>
+          <a:lstStyle/>
+          <a:p>
+            <a:r>
+              <a:rPr lang="en-US" sz="1000" i="1" dirty="0">
+                <a:latin typeface="LM Roman 10 Regular"/>
+                <a:cs typeface="LM Roman 10 Regular"/>
+              </a:rPr>
+              <a:t>e</a:t>
+            </a:r>
+          </a:p>
+        </p:txBody>
+      </p:sp>
+      <p:sp>
+        <p:nvSpPr>
+          <p:cNvPr id="34" name="TextBox 33"/>
+          <p:cNvSpPr txBox="1"/>
+          <p:nvPr/>
+        </p:nvSpPr>
+        <p:spPr>
+          <a:xfrm>
+            <a:off x="427981" y="3874542"/>
+            <a:ext cx="1060206" cy="369332"/>
+          </a:xfrm>
+          <a:prstGeom prst="rect">
+            <a:avLst/>
+          </a:prstGeom>
+          <a:solidFill>
+            <a:srgbClr val="FFFFFF"/>
+          </a:solidFill>
+        </p:spPr>
+        <p:txBody>
+          <a:bodyPr wrap="none" rtlCol="0">
+            <a:spAutoFit/>
+          </a:bodyPr>
+          <a:lstStyle/>
+          <a:p>
+            <a:r>
+              <a:rPr lang="en-US" dirty="0">
+                <a:latin typeface="Trebuchet MS"/>
+                <a:cs typeface="Trebuchet MS"/>
+              </a:rPr>
+              <a:t>Contrast</a:t>
+            </a:r>
+          </a:p>
+        </p:txBody>
+      </p:sp>
+      <p:sp>
+        <p:nvSpPr>
+          <p:cNvPr id="23" name="Freeform 22"/>
+          <p:cNvSpPr/>
+          <p:nvPr/>
+        </p:nvSpPr>
+        <p:spPr>
+          <a:xfrm>
+            <a:off x="3500959" y="1429231"/>
+            <a:ext cx="1131741" cy="1931960"/>
+          </a:xfrm>
+          <a:custGeom>
+            <a:avLst/>
+            <a:gdLst>
+              <a:gd name="connsiteX0" fmla="*/ 437600 w 1131741"/>
+              <a:gd name="connsiteY0" fmla="*/ 7469 h 1931960"/>
+              <a:gd name="connsiteX1" fmla="*/ 719842 w 1131741"/>
+              <a:gd name="connsiteY1" fmla="*/ 58780 h 1931960"/>
+              <a:gd name="connsiteX2" fmla="*/ 963597 w 1131741"/>
+              <a:gd name="connsiteY2" fmla="*/ 533404 h 1931960"/>
+              <a:gd name="connsiteX3" fmla="*/ 1130376 w 1131741"/>
+              <a:gd name="connsiteY3" fmla="*/ 1149133 h 1931960"/>
+              <a:gd name="connsiteX4" fmla="*/ 1040572 w 1131741"/>
+              <a:gd name="connsiteY4" fmla="*/ 1482653 h 1931960"/>
+              <a:gd name="connsiteX5" fmla="*/ 1002084 w 1131741"/>
+              <a:gd name="connsiteY5" fmla="*/ 1752034 h 1931960"/>
+              <a:gd name="connsiteX6" fmla="*/ 796817 w 1131741"/>
+              <a:gd name="connsiteY6" fmla="*/ 1918794 h 1931960"/>
+              <a:gd name="connsiteX7" fmla="*/ 540234 w 1131741"/>
+              <a:gd name="connsiteY7" fmla="*/ 1854656 h 1931960"/>
+              <a:gd name="connsiteX8" fmla="*/ 181016 w 1131741"/>
+              <a:gd name="connsiteY8" fmla="*/ 1328721 h 1931960"/>
+              <a:gd name="connsiteX9" fmla="*/ 1408 w 1131741"/>
+              <a:gd name="connsiteY9" fmla="*/ 469266 h 1931960"/>
+              <a:gd name="connsiteX10" fmla="*/ 116871 w 1131741"/>
+              <a:gd name="connsiteY10" fmla="*/ 58780 h 1931960"/>
+              <a:gd name="connsiteX11" fmla="*/ 437600 w 1131741"/>
+              <a:gd name="connsiteY11" fmla="*/ 7469 h 1931960"/>
+            </a:gdLst>
+            <a:ahLst/>
+            <a:cxnLst>
+              <a:cxn ang="0">
+                <a:pos x="connsiteX0" y="connsiteY0"/>
+              </a:cxn>
+              <a:cxn ang="0">
+                <a:pos x="connsiteX1" y="connsiteY1"/>
+              </a:cxn>
+              <a:cxn ang="0">
+                <a:pos x="connsiteX2" y="connsiteY2"/>
+              </a:cxn>
+              <a:cxn ang="0">
+                <a:pos x="connsiteX3" y="connsiteY3"/>
+              </a:cxn>
+              <a:cxn ang="0">
+                <a:pos x="connsiteX4" y="connsiteY4"/>
+              </a:cxn>
+              <a:cxn ang="0">
+                <a:pos x="connsiteX5" y="connsiteY5"/>
+              </a:cxn>
+              <a:cxn ang="0">
+                <a:pos x="connsiteX6" y="connsiteY6"/>
+              </a:cxn>
+              <a:cxn ang="0">
+                <a:pos x="connsiteX7" y="connsiteY7"/>
+              </a:cxn>
+              <a:cxn ang="0">
+                <a:pos x="connsiteX8" y="connsiteY8"/>
+              </a:cxn>
+              <a:cxn ang="0">
+                <a:pos x="connsiteX9" y="connsiteY9"/>
+              </a:cxn>
+              <a:cxn ang="0">
+                <a:pos x="connsiteX10" y="connsiteY10"/>
+              </a:cxn>
+              <a:cxn ang="0">
+                <a:pos x="connsiteX11" y="connsiteY11"/>
+              </a:cxn>
+            </a:cxnLst>
+            <a:rect l="l" t="t" r="r" b="b"/>
+            <a:pathLst>
+              <a:path w="1131741" h="1931960">
+                <a:moveTo>
+                  <a:pt x="437600" y="7469"/>
+                </a:moveTo>
+                <a:cubicBezTo>
+                  <a:pt x="538095" y="7469"/>
+                  <a:pt x="632176" y="-28876"/>
+                  <a:pt x="719842" y="58780"/>
+                </a:cubicBezTo>
+                <a:cubicBezTo>
+                  <a:pt x="807508" y="146436"/>
+                  <a:pt x="895175" y="351679"/>
+                  <a:pt x="963597" y="533404"/>
+                </a:cubicBezTo>
+                <a:cubicBezTo>
+                  <a:pt x="1032019" y="715129"/>
+                  <a:pt x="1117547" y="990925"/>
+                  <a:pt x="1130376" y="1149133"/>
+                </a:cubicBezTo>
+                <a:cubicBezTo>
+                  <a:pt x="1143205" y="1307341"/>
+                  <a:pt x="1061954" y="1382170"/>
+                  <a:pt x="1040572" y="1482653"/>
+                </a:cubicBezTo>
+                <a:cubicBezTo>
+                  <a:pt x="1019190" y="1583136"/>
+                  <a:pt x="1042710" y="1679344"/>
+                  <a:pt x="1002084" y="1752034"/>
+                </a:cubicBezTo>
+                <a:cubicBezTo>
+                  <a:pt x="961458" y="1824724"/>
+                  <a:pt x="873792" y="1901690"/>
+                  <a:pt x="796817" y="1918794"/>
+                </a:cubicBezTo>
+                <a:cubicBezTo>
+                  <a:pt x="719842" y="1935898"/>
+                  <a:pt x="642868" y="1953002"/>
+                  <a:pt x="540234" y="1854656"/>
+                </a:cubicBezTo>
+                <a:cubicBezTo>
+                  <a:pt x="437601" y="1756311"/>
+                  <a:pt x="270820" y="1559619"/>
+                  <a:pt x="181016" y="1328721"/>
+                </a:cubicBezTo>
+                <a:cubicBezTo>
+                  <a:pt x="91212" y="1097823"/>
+                  <a:pt x="12099" y="680923"/>
+                  <a:pt x="1408" y="469266"/>
+                </a:cubicBezTo>
+                <a:cubicBezTo>
+                  <a:pt x="-9283" y="257609"/>
+                  <a:pt x="42034" y="142160"/>
+                  <a:pt x="116871" y="58780"/>
+                </a:cubicBezTo>
+                <a:cubicBezTo>
+                  <a:pt x="191708" y="-24600"/>
+                  <a:pt x="337105" y="7469"/>
+                  <a:pt x="437600" y="7469"/>
+                </a:cubicBezTo>
+                <a:close/>
+              </a:path>
+            </a:pathLst>
+          </a:custGeom>
+          <a:noFill/>
+          <a:ln w="28575" cmpd="sng">
+            <a:solidFill>
+              <a:srgbClr val="FF0000"/>
+            </a:solidFill>
+          </a:ln>
+        </p:spPr>
+        <p:style>
+          <a:lnRef idx="1">
+            <a:schemeClr val="accent1"/>
+          </a:lnRef>
+          <a:fillRef idx="3">
+            <a:schemeClr val="accent1"/>
+          </a:fillRef>
+          <a:effectRef idx="2">
+            <a:schemeClr val="accent1"/>
+          </a:effectRef>
+          <a:fontRef idx="minor">
+            <a:schemeClr val="lt1"/>
+          </a:fontRef>
+        </p:style>
+        <p:txBody>
+          <a:bodyPr rtlCol="0" anchor="ctr"/>
+          <a:lstStyle/>
+          <a:p>
+            <a:pPr algn="ctr"/>
+            <a:endParaRPr lang="en-US"/>
+          </a:p>
+        </p:txBody>
+      </p:sp>
+      <p:sp>
+        <p:nvSpPr>
+          <p:cNvPr id="37" name="Rectangle 36"/>
+          <p:cNvSpPr/>
+          <p:nvPr/>
+        </p:nvSpPr>
+        <p:spPr>
+          <a:xfrm>
+            <a:off x="5157325" y="5246522"/>
+            <a:ext cx="346388" cy="500280"/>
+          </a:xfrm>
+          <a:prstGeom prst="rect">
+            <a:avLst/>
+          </a:prstGeom>
+          <a:solidFill>
+            <a:srgbClr val="FFFFFF"/>
+          </a:solidFill>
+          <a:ln>
+            <a:noFill/>
+          </a:ln>
+          <a:effectLst/>
+        </p:spPr>
+        <p:style>
+          <a:lnRef idx="1">
+            <a:schemeClr val="accent1"/>
+          </a:lnRef>
+          <a:fillRef idx="3">
+            <a:schemeClr val="accent1"/>
+          </a:fillRef>
+          <a:effectRef idx="2">
+            <a:schemeClr val="accent1"/>
+          </a:effectRef>
+          <a:fontRef idx="minor">
+            <a:schemeClr val="lt1"/>
+          </a:fontRef>
+        </p:style>
+        <p:txBody>
+          <a:bodyPr rtlCol="0" anchor="ctr"/>
+          <a:lstStyle/>
+          <a:p>
+            <a:pPr algn="ctr"/>
+            <a:endParaRPr lang="en-US"/>
+          </a:p>
+        </p:txBody>
+      </p:sp>
+      <p:sp>
+        <p:nvSpPr>
+          <p:cNvPr id="38" name="Rectangle 37"/>
+          <p:cNvSpPr/>
+          <p:nvPr/>
+        </p:nvSpPr>
+        <p:spPr>
+          <a:xfrm>
+            <a:off x="1704730" y="5270645"/>
+            <a:ext cx="346388" cy="500280"/>
+          </a:xfrm>
+          <a:prstGeom prst="rect">
+            <a:avLst/>
+          </a:prstGeom>
+          <a:solidFill>
+            <a:srgbClr val="FFFFFF"/>
+          </a:solidFill>
+          <a:ln>
+            <a:noFill/>
+          </a:ln>
+          <a:effectLst/>
+        </p:spPr>
+        <p:style>
+          <a:lnRef idx="1">
+            <a:schemeClr val="accent1"/>
+          </a:lnRef>
+          <a:fillRef idx="3">
+            <a:schemeClr val="accent1"/>
+          </a:fillRef>
+          <a:effectRef idx="2">
+            <a:schemeClr val="accent1"/>
+          </a:effectRef>
+          <a:fontRef idx="minor">
+            <a:schemeClr val="lt1"/>
+          </a:fontRef>
+        </p:style>
+        <p:txBody>
+          <a:bodyPr rtlCol="0" anchor="ctr"/>
+          <a:lstStyle/>
+          <a:p>
+            <a:pPr algn="ctr"/>
+            <a:endParaRPr lang="en-US"/>
+          </a:p>
+        </p:txBody>
+      </p:sp>
+      <p:sp>
+        <p:nvSpPr>
+          <p:cNvPr id="39" name="Rectangle 38"/>
+          <p:cNvSpPr/>
+          <p:nvPr/>
+        </p:nvSpPr>
+        <p:spPr>
+          <a:xfrm>
+            <a:off x="3293997" y="5128008"/>
+            <a:ext cx="346388" cy="500280"/>
+          </a:xfrm>
+          <a:prstGeom prst="rect">
+            <a:avLst/>
+          </a:prstGeom>
+          <a:solidFill>
+            <a:srgbClr val="FFFFFF"/>
+          </a:solidFill>
+          <a:ln>
+            <a:noFill/>
+          </a:ln>
+          <a:effectLst/>
+        </p:spPr>
+        <p:style>
+          <a:lnRef idx="1">
+            <a:schemeClr val="accent1"/>
+          </a:lnRef>
+          <a:fillRef idx="3">
+            <a:schemeClr val="accent1"/>
+          </a:fillRef>
+          <a:effectRef idx="2">
+            <a:schemeClr val="accent1"/>
+          </a:effectRef>
+          <a:fontRef idx="minor">
+            <a:schemeClr val="lt1"/>
+          </a:fontRef>
+        </p:style>
+        <p:txBody>
+          <a:bodyPr rtlCol="0" anchor="ctr"/>
+          <a:lstStyle/>
+          <a:p>
+            <a:pPr algn="ctr"/>
+            <a:endParaRPr lang="en-US"/>
+          </a:p>
+        </p:txBody>
+      </p:sp>
+      <p:sp>
+        <p:nvSpPr>
+          <p:cNvPr id="40" name="TextBox 39"/>
+          <p:cNvSpPr txBox="1"/>
+          <p:nvPr/>
+        </p:nvSpPr>
+        <p:spPr>
+          <a:xfrm>
+            <a:off x="5489339" y="947731"/>
+            <a:ext cx="261610" cy="246221"/>
+          </a:xfrm>
+          <a:prstGeom prst="rect">
+            <a:avLst/>
+          </a:prstGeom>
+          <a:noFill/>
+        </p:spPr>
+        <p:txBody>
+          <a:bodyPr wrap="none" rtlCol="0">
+            <a:spAutoFit/>
+          </a:bodyPr>
+          <a:lstStyle/>
+          <a:p>
+            <a:r>
+              <a:rPr lang="en-US" sz="1000" i="1" dirty="0">
+                <a:latin typeface="LM Roman 10 Regular"/>
+                <a:cs typeface="LM Roman 10 Regular"/>
+              </a:rPr>
+              <a:t>e</a:t>
+            </a:r>
+          </a:p>
+        </p:txBody>
+      </p:sp>
+      <p:sp>
+        <p:nvSpPr>
+          <p:cNvPr id="41" name="TextBox 40"/>
+          <p:cNvSpPr txBox="1"/>
+          <p:nvPr/>
+        </p:nvSpPr>
+        <p:spPr>
+          <a:xfrm>
+            <a:off x="3539293" y="4821691"/>
+            <a:ext cx="261610" cy="246221"/>
+          </a:xfrm>
+          <a:prstGeom prst="rect">
+            <a:avLst/>
+          </a:prstGeom>
+          <a:noFill/>
+        </p:spPr>
+        <p:txBody>
+          <a:bodyPr wrap="none" rtlCol="0">
+            <a:spAutoFit/>
+          </a:bodyPr>
+          <a:lstStyle/>
+          <a:p>
+            <a:r>
+              <a:rPr lang="en-US" sz="1000" i="1" dirty="0">
+                <a:latin typeface="LM Roman 10 Regular"/>
+                <a:cs typeface="LM Roman 10 Regular"/>
+              </a:rPr>
+              <a:t>e</a:t>
+            </a:r>
+          </a:p>
+        </p:txBody>
+      </p:sp>
+      <p:sp>
+        <p:nvSpPr>
+          <p:cNvPr id="42" name="TextBox 41"/>
+          <p:cNvSpPr txBox="1"/>
+          <p:nvPr/>
+        </p:nvSpPr>
+        <p:spPr>
+          <a:xfrm>
+            <a:off x="3063072" y="4756015"/>
+            <a:ext cx="261610" cy="246221"/>
+          </a:xfrm>
+          <a:prstGeom prst="rect">
+            <a:avLst/>
+          </a:prstGeom>
+          <a:noFill/>
+        </p:spPr>
+        <p:txBody>
+          <a:bodyPr wrap="none" rtlCol="0">
+            <a:spAutoFit/>
+          </a:bodyPr>
+          <a:lstStyle/>
+          <a:p>
+            <a:r>
+              <a:rPr lang="en-US" sz="1000" i="1" dirty="0">
+                <a:latin typeface="LM Roman 10 Regular"/>
+                <a:cs typeface="LM Roman 10 Regular"/>
+              </a:rPr>
+              <a:t>e</a:t>
+            </a:r>
+          </a:p>
+        </p:txBody>
+      </p:sp>
+      <p:sp>
+        <p:nvSpPr>
+          <p:cNvPr id="28" name="TextBox 27">
+            <a:extLst>
+              <a:ext uri="{FF2B5EF4-FFF2-40B4-BE49-F238E27FC236}">
+                <a16:creationId xmlns:a16="http://schemas.microsoft.com/office/drawing/2014/main" id="{1945490B-4AF3-AF45-994B-FD7432D5A234}"/>
+              </a:ext>
+            </a:extLst>
+          </p:cNvPr>
+          <p:cNvSpPr txBox="1"/>
+          <p:nvPr/>
+        </p:nvSpPr>
+        <p:spPr>
+          <a:xfrm>
+            <a:off x="421813" y="273433"/>
+            <a:ext cx="2753446" cy="523220"/>
+          </a:xfrm>
+          <a:prstGeom prst="rect">
+            <a:avLst/>
+          </a:prstGeom>
+          <a:noFill/>
+        </p:spPr>
+        <p:txBody>
+          <a:bodyPr wrap="none" rtlCol="0">
+            <a:spAutoFit/>
+          </a:bodyPr>
+          <a:lstStyle/>
+          <a:p>
+            <a:r>
+              <a:rPr lang="en-US" sz="2800" dirty="0"/>
+              <a:t>Contrast Features</a:t>
+            </a:r>
+          </a:p>
+        </p:txBody>
+      </p:sp>
+    </p:spTree>
+    <p:extLst>
+      <p:ext uri="{BB962C8B-B14F-4D97-AF65-F5344CB8AC3E}">
+        <p14:creationId xmlns:p14="http://schemas.microsoft.com/office/powerpoint/2010/main" val="1519190347"/>
+      </p:ext>
+    </p:extLst>
+  </p:cSld>
+  <p:clrMapOvr>
+    <a:masterClrMapping/>
+  </p:clrMapOvr>
+</p:sld>
+</file>
+
+<file path=ppt/slides/slide7.xml><?xml version="1.0" encoding="utf-8"?>
+<p:sld xmlns:a="http://schemas.openxmlformats.org/drawingml/2006/main" xmlns:r="http://schemas.openxmlformats.org/officeDocument/2006/relationships" xmlns:p="http://schemas.openxmlformats.org/presentationml/2006/main">
+  <p:cSld>
+    <p:spTree>
+      <p:nvGrpSpPr>
+        <p:cNvPr id="1" name=""/>
+        <p:cNvGrpSpPr/>
+        <p:nvPr/>
+      </p:nvGrpSpPr>
+      <p:grpSpPr>
+        <a:xfrm>
+          <a:off x="0" y="0"/>
+          <a:ext cx="0" cy="0"/>
+          <a:chOff x="0" y="0"/>
+          <a:chExt cx="0" cy="0"/>
+        </a:xfrm>
+      </p:grpSpPr>
       <p:sp>
         <p:nvSpPr>
           <p:cNvPr id="2" name="TextBox 1"/>
@@ -7290,34 +8119,20 @@
           </a:p>
           <a:p>
             <a:r>
-              <a:rPr lang="fr-FR" dirty="0" smtClean="0">
-                <a:latin typeface="Courier"/>
-                <a:cs typeface="Courier"/>
-              </a:rPr>
-              <a:t>R </a:t>
-            </a:r>
-            <a:r>
               <a:rPr lang="fr-FR" dirty="0">
                 <a:latin typeface="Courier"/>
                 <a:cs typeface="Courier"/>
               </a:rPr>
-              <a:t>= I&gt;120;</a:t>
-            </a:r>
-          </a:p>
-          <a:p>
-            <a:r>
-              <a:rPr lang="fr-FR" dirty="0" smtClean="0">
-                <a:latin typeface="Courier"/>
-                <a:cs typeface="Courier"/>
-              </a:rPr>
-              <a:t>J </a:t>
-            </a:r>
+              <a:t>R = I&gt;120;</a:t>
+            </a:r>
+          </a:p>
+          <a:p>
             <a:r>
               <a:rPr lang="fr-FR" dirty="0">
                 <a:latin typeface="Courier"/>
                 <a:cs typeface="Courier"/>
               </a:rPr>
-              <a:t>= </a:t>
+              <a:t>J = </a:t>
             </a:r>
             <a:r>
               <a:rPr lang="fr-FR" dirty="0" err="1">
@@ -7327,51 +8142,37 @@
               <a:t>imdilate</a:t>
             </a:r>
             <a:r>
-              <a:rPr lang="fr-FR" dirty="0" smtClean="0">
+              <a:rPr lang="fr-FR" dirty="0">
                 <a:latin typeface="Courier"/>
                 <a:cs typeface="Courier"/>
               </a:rPr>
               <a:t>(</a:t>
             </a:r>
             <a:r>
-              <a:rPr lang="fr-FR" dirty="0" err="1" smtClean="0">
-                <a:latin typeface="Courier"/>
-                <a:cs typeface="Courier"/>
-              </a:rPr>
-              <a:t>R,</a:t>
-            </a:r>
-            <a:r>
               <a:rPr lang="fr-FR" dirty="0" err="1">
                 <a:latin typeface="Courier"/>
                 <a:cs typeface="Courier"/>
               </a:rPr>
-              <a:t>ones</a:t>
+              <a:t>R,ones</a:t>
             </a:r>
             <a:r>
               <a:rPr lang="fr-FR" dirty="0">
                 <a:latin typeface="Courier"/>
                 <a:cs typeface="Courier"/>
               </a:rPr>
-              <a:t>(11,11))</a:t>
-            </a:r>
-            <a:r>
-              <a:rPr lang="fr-FR" dirty="0" smtClean="0">
-                <a:latin typeface="Courier"/>
-                <a:cs typeface="Courier"/>
-              </a:rPr>
-              <a:t>;</a:t>
-            </a:r>
-          </a:p>
-          <a:p>
-            <a:r>
-              <a:rPr lang="fr-FR" dirty="0" err="1" smtClean="0">
+              <a:t>(11,11));</a:t>
+            </a:r>
+          </a:p>
+          <a:p>
+            <a:r>
+              <a:rPr lang="fr-FR" dirty="0" err="1">
                 <a:latin typeface="Courier"/>
                 <a:cs typeface="Courier"/>
               </a:rPr>
               <a:t>Re</a:t>
             </a:r>
             <a:r>
-              <a:rPr lang="fr-FR" dirty="0" smtClean="0">
+              <a:rPr lang="fr-FR" dirty="0">
                 <a:latin typeface="Courier"/>
                 <a:cs typeface="Courier"/>
               </a:rPr>
@@ -7380,76 +8181,34 @@
           </a:p>
           <a:p>
             <a:r>
-              <a:rPr lang="en-US" dirty="0" err="1" smtClean="0">
+              <a:rPr lang="en-US" dirty="0" err="1">
                 <a:latin typeface="Courier"/>
                 <a:cs typeface="Courier"/>
               </a:rPr>
               <a:t>i</a:t>
             </a:r>
             <a:r>
-              <a:rPr lang="en-US" dirty="0" smtClean="0">
-                <a:latin typeface="Courier"/>
-                <a:cs typeface="Courier"/>
-              </a:rPr>
-              <a:t>  </a:t>
-            </a:r>
-            <a:r>
               <a:rPr lang="en-US" dirty="0">
                 <a:latin typeface="Courier"/>
                 <a:cs typeface="Courier"/>
               </a:rPr>
-              <a:t>= find</a:t>
-            </a:r>
-            <a:r>
-              <a:rPr lang="en-US" dirty="0" smtClean="0">
+              <a:t>  = find(R==1);</a:t>
+            </a:r>
+          </a:p>
+          <a:p>
+            <a:r>
+              <a:rPr lang="en-US" dirty="0" err="1">
                 <a:latin typeface="Courier"/>
                 <a:cs typeface="Courier"/>
               </a:rPr>
-              <a:t>(R=</a:t>
+              <a:t>ie</a:t>
             </a:r>
             <a:r>
               <a:rPr lang="en-US" dirty="0">
                 <a:latin typeface="Courier"/>
                 <a:cs typeface="Courier"/>
               </a:rPr>
-              <a:t>=1);</a:t>
-            </a:r>
-          </a:p>
-          <a:p>
-            <a:r>
-              <a:rPr lang="en-US" dirty="0" err="1" smtClean="0">
-                <a:latin typeface="Courier"/>
-                <a:cs typeface="Courier"/>
-              </a:rPr>
-              <a:t>ie</a:t>
-            </a:r>
-            <a:r>
-              <a:rPr lang="en-US" dirty="0" smtClean="0">
-                <a:latin typeface="Courier"/>
-                <a:cs typeface="Courier"/>
-              </a:rPr>
-              <a:t> </a:t>
-            </a:r>
-            <a:r>
-              <a:rPr lang="en-US" dirty="0">
-                <a:latin typeface="Courier"/>
-                <a:cs typeface="Courier"/>
-              </a:rPr>
-              <a:t>= find</a:t>
-            </a:r>
-            <a:r>
-              <a:rPr lang="en-US" dirty="0" smtClean="0">
-                <a:latin typeface="Courier"/>
-                <a:cs typeface="Courier"/>
-              </a:rPr>
-              <a:t>(Re=</a:t>
-            </a:r>
-            <a:r>
-              <a:rPr lang="en-US" dirty="0">
-                <a:latin typeface="Courier"/>
-                <a:cs typeface="Courier"/>
-              </a:rPr>
-              <a:t>=1);</a:t>
+              <a:t> = find(Re==1);</a:t>
             </a:r>
           </a:p>
           <a:p>
@@ -7461,25 +8220,18 @@
               <a:t>G = mean(I(</a:t>
             </a:r>
             <a:r>
-              <a:rPr lang="en-US" dirty="0" err="1" smtClean="0">
+              <a:rPr lang="en-US" dirty="0" err="1">
                 <a:latin typeface="Courier"/>
                 <a:cs typeface="Courier"/>
               </a:rPr>
               <a:t>i</a:t>
             </a:r>
             <a:r>
-              <a:rPr lang="en-US" dirty="0" smtClean="0">
-                <a:latin typeface="Courier"/>
-                <a:cs typeface="Courier"/>
-              </a:rPr>
-              <a:t>)</a:t>
-            </a:r>
-            <a:r>
               <a:rPr lang="en-US" dirty="0">
                 <a:latin typeface="Courier"/>
                 <a:cs typeface="Courier"/>
               </a:rPr>
-              <a:t>);</a:t>
+              <a:t>));</a:t>
             </a:r>
           </a:p>
           <a:p>
@@ -7495,42 +8247,21 @@
                 <a:latin typeface="Courier"/>
                 <a:cs typeface="Courier"/>
               </a:rPr>
-              <a:t> = mean(I</a:t>
-            </a:r>
-            <a:r>
-              <a:rPr lang="en-US" dirty="0" smtClean="0">
-                <a:latin typeface="Courier"/>
-                <a:cs typeface="Courier"/>
-              </a:rPr>
-              <a:t>(</a:t>
-            </a:r>
-            <a:r>
-              <a:rPr lang="en-US" dirty="0" err="1" smtClean="0">
+              <a:t> = mean(I(</a:t>
+            </a:r>
+            <a:r>
+              <a:rPr lang="en-US" dirty="0" err="1">
                 <a:latin typeface="Courier"/>
                 <a:cs typeface="Courier"/>
               </a:rPr>
               <a:t>ie</a:t>
             </a:r>
             <a:r>
-              <a:rPr lang="en-US" dirty="0" smtClean="0">
-                <a:latin typeface="Courier"/>
-                <a:cs typeface="Courier"/>
-              </a:rPr>
-              <a:t>)</a:t>
-            </a:r>
-            <a:r>
               <a:rPr lang="en-US" dirty="0">
                 <a:latin typeface="Courier"/>
                 <a:cs typeface="Courier"/>
               </a:rPr>
-              <a:t>)</a:t>
-            </a:r>
-            <a:r>
-              <a:rPr lang="en-US" dirty="0" smtClean="0">
-                <a:latin typeface="Courier"/>
-                <a:cs typeface="Courier"/>
-              </a:rPr>
-              <a:t>;</a:t>
+              <a:t>));</a:t>
             </a:r>
           </a:p>
           <a:p>
@@ -7540,7 +8271,7 @@
             </a:endParaRPr>
           </a:p>
           <a:p>
-            <a:endParaRPr lang="en-US" dirty="0" smtClean="0">
+            <a:endParaRPr lang="en-US" dirty="0">
               <a:latin typeface="Courier"/>
               <a:cs typeface="Courier"/>
             </a:endParaRPr>
@@ -7551,21 +8282,7 @@
                 <a:latin typeface="Courier"/>
                 <a:cs typeface="Courier"/>
               </a:rPr>
-              <a:t>K1 = </a:t>
-            </a:r>
-            <a:r>
-              <a:rPr lang="en-US" dirty="0" smtClean="0">
-                <a:latin typeface="Courier"/>
-                <a:cs typeface="Courier"/>
-              </a:rPr>
-              <a:t>abs(</a:t>
-            </a:r>
-            <a:r>
-              <a:rPr lang="en-US" dirty="0">
-                <a:latin typeface="Courier"/>
-                <a:cs typeface="Courier"/>
-              </a:rPr>
-              <a:t>G-</a:t>
+              <a:t>K1 = abs(G-</a:t>
             </a:r>
             <a:r>
               <a:rPr lang="en-US" dirty="0" err="1">
@@ -7579,51 +8296,7 @@
                 <a:latin typeface="Courier"/>
                 <a:cs typeface="Courier"/>
               </a:rPr>
-              <a:t>)</a:t>
-            </a:r>
-            <a:r>
-              <a:rPr lang="en-US" dirty="0" smtClean="0">
-                <a:latin typeface="Courier"/>
-                <a:cs typeface="Courier"/>
-              </a:rPr>
-              <a:t>/</a:t>
-            </a:r>
-            <a:r>
-              <a:rPr lang="en-US" dirty="0" err="1" smtClean="0">
-                <a:latin typeface="Courier"/>
-                <a:cs typeface="Courier"/>
-              </a:rPr>
-              <a:t>Ge</a:t>
-            </a:r>
-            <a:r>
-              <a:rPr lang="en-US" dirty="0" smtClean="0">
-                <a:latin typeface="Courier"/>
-                <a:cs typeface="Courier"/>
-              </a:rPr>
-              <a:t>	   %  0.85   0.0051</a:t>
-            </a:r>
-          </a:p>
-          <a:p>
-            <a:r>
-              <a:rPr lang="en-US" dirty="0">
-                <a:latin typeface="Courier"/>
-                <a:cs typeface="Courier"/>
-              </a:rPr>
-              <a:t>K2 = </a:t>
-            </a:r>
-            <a:r>
-              <a:rPr lang="en-US" dirty="0" smtClean="0">
-                <a:latin typeface="Courier"/>
-                <a:cs typeface="Courier"/>
-              </a:rPr>
-              <a:t>abs(</a:t>
-            </a:r>
-            <a:r>
-              <a:rPr lang="en-US" dirty="0">
-                <a:latin typeface="Courier"/>
-                <a:cs typeface="Courier"/>
-              </a:rPr>
-              <a:t>G-</a:t>
+              <a:t>)/</a:t>
             </a:r>
             <a:r>
               <a:rPr lang="en-US" dirty="0" err="1">
@@ -7637,6 +8310,29 @@
                 <a:latin typeface="Courier"/>
                 <a:cs typeface="Courier"/>
               </a:rPr>
+              <a:t>	   %  0.85   0.0051</a:t>
+            </a:r>
+          </a:p>
+          <a:p>
+            <a:r>
+              <a:rPr lang="en-US" dirty="0">
+                <a:latin typeface="Courier"/>
+                <a:cs typeface="Courier"/>
+              </a:rPr>
+              <a:t>K2 = abs(G-</a:t>
+            </a:r>
+            <a:r>
+              <a:rPr lang="en-US" dirty="0" err="1">
+                <a:latin typeface="Courier"/>
+                <a:cs typeface="Courier"/>
+              </a:rPr>
+              <a:t>Ge</a:t>
+            </a:r>
+            <a:r>
+              <a:rPr lang="en-US" dirty="0">
+                <a:latin typeface="Courier"/>
+                <a:cs typeface="Courier"/>
+              </a:rPr>
               <a:t>)/(</a:t>
             </a:r>
             <a:r>
@@ -7647,7 +8343,7 @@
               <a:t>G+Ge</a:t>
             </a:r>
             <a:r>
-              <a:rPr lang="en-US" dirty="0" smtClean="0">
+              <a:rPr lang="en-US" dirty="0">
                 <a:latin typeface="Courier"/>
                 <a:cs typeface="Courier"/>
               </a:rPr>
@@ -7670,7 +8366,7 @@
               <a:t>Ge</a:t>
             </a:r>
             <a:r>
-              <a:rPr lang="en-US" dirty="0" smtClean="0">
+              <a:rPr lang="en-US" dirty="0">
                 <a:latin typeface="Courier"/>
                 <a:cs typeface="Courier"/>
               </a:rPr>
@@ -7679,16 +8375,12 @@
           </a:p>
           <a:p>
             <a:r>
-              <a:rPr lang="en-US" dirty="0" smtClean="0">
+              <a:rPr lang="en-US" dirty="0">
                 <a:latin typeface="Courier"/>
                 <a:cs typeface="Courier"/>
               </a:rPr>
               <a:t> </a:t>
             </a:r>
-            <a:endParaRPr lang="en-US" dirty="0">
-              <a:latin typeface="Courier"/>
-              <a:cs typeface="Courier"/>
-            </a:endParaRPr>
           </a:p>
         </p:txBody>
       </p:sp>
@@ -8281,18 +8973,11 @@
           <a:lstStyle/>
           <a:p>
             <a:r>
-              <a:rPr lang="en-US" sz="2400" b="1" smtClean="0">
+              <a:rPr lang="en-US" sz="2400" b="1">
                 <a:latin typeface="LM Roman 10 Regular"/>
                 <a:cs typeface="LM Roman 10 Regular"/>
               </a:rPr>
-              <a:t>I           </a:t>
-            </a:r>
-            <a:r>
-              <a:rPr lang="en-US" sz="2400" b="1" smtClean="0">
-                <a:latin typeface="LM Roman 10 Regular"/>
-                <a:cs typeface="LM Roman 10 Regular"/>
-              </a:rPr>
-              <a:t>       R                Re</a:t>
+              <a:t>I                  R                Re</a:t>
             </a:r>
             <a:endParaRPr lang="en-US" sz="2400" b="1" dirty="0">
               <a:latin typeface="LM Roman 10 Regular"/>
@@ -8301,6 +8986,349 @@
           </a:p>
         </p:txBody>
       </p:sp>
+      <p:sp>
+        <p:nvSpPr>
+          <p:cNvPr id="16" name="TextBox 15">
+            <a:extLst>
+              <a:ext uri="{FF2B5EF4-FFF2-40B4-BE49-F238E27FC236}">
+                <a16:creationId xmlns:a16="http://schemas.microsoft.com/office/drawing/2014/main" id="{888FB3A5-0C21-0843-9180-2A04AF351634}"/>
+              </a:ext>
+            </a:extLst>
+          </p:cNvPr>
+          <p:cNvSpPr txBox="1"/>
+          <p:nvPr/>
+        </p:nvSpPr>
+        <p:spPr>
+          <a:xfrm>
+            <a:off x="421813" y="273433"/>
+            <a:ext cx="2753446" cy="523220"/>
+          </a:xfrm>
+          <a:prstGeom prst="rect">
+            <a:avLst/>
+          </a:prstGeom>
+          <a:noFill/>
+        </p:spPr>
+        <p:txBody>
+          <a:bodyPr wrap="none" rtlCol="0">
+            <a:spAutoFit/>
+          </a:bodyPr>
+          <a:lstStyle/>
+          <a:p>
+            <a:r>
+              <a:rPr lang="en-US" sz="2800" dirty="0"/>
+              <a:t>Contrast Features</a:t>
+            </a:r>
+          </a:p>
+        </p:txBody>
+      </p:sp>
+      <p:grpSp>
+        <p:nvGrpSpPr>
+          <p:cNvPr id="9" name="Group 8">
+            <a:extLst>
+              <a:ext uri="{FF2B5EF4-FFF2-40B4-BE49-F238E27FC236}">
+                <a16:creationId xmlns:a16="http://schemas.microsoft.com/office/drawing/2014/main" id="{128E4C82-2E73-4642-B852-47CD16D3AA94}"/>
+              </a:ext>
+            </a:extLst>
+          </p:cNvPr>
+          <p:cNvGrpSpPr/>
+          <p:nvPr/>
+        </p:nvGrpSpPr>
+        <p:grpSpPr>
+          <a:xfrm>
+            <a:off x="4195173" y="621668"/>
+            <a:ext cx="641777" cy="3151546"/>
+            <a:chOff x="4195173" y="621668"/>
+            <a:chExt cx="641777" cy="3151546"/>
+          </a:xfrm>
+        </p:grpSpPr>
+        <p:sp>
+          <p:nvSpPr>
+            <p:cNvPr id="6" name="Left Brace 5">
+              <a:extLst>
+                <a:ext uri="{FF2B5EF4-FFF2-40B4-BE49-F238E27FC236}">
+                  <a16:creationId xmlns:a16="http://schemas.microsoft.com/office/drawing/2014/main" id="{E4A2387D-096A-3648-BB5E-CC405E53EE01}"/>
+                </a:ext>
+              </a:extLst>
+            </p:cNvPr>
+            <p:cNvSpPr/>
+            <p:nvPr/>
+          </p:nvSpPr>
+          <p:spPr>
+            <a:xfrm>
+              <a:off x="4750676" y="621668"/>
+              <a:ext cx="86274" cy="1295998"/>
+            </a:xfrm>
+            <a:prstGeom prst="leftBrace">
+              <a:avLst/>
+            </a:prstGeom>
+          </p:spPr>
+          <p:style>
+            <a:lnRef idx="1">
+              <a:schemeClr val="accent1"/>
+            </a:lnRef>
+            <a:fillRef idx="0">
+              <a:schemeClr val="accent1"/>
+            </a:fillRef>
+            <a:effectRef idx="0">
+              <a:schemeClr val="accent1"/>
+            </a:effectRef>
+            <a:fontRef idx="minor">
+              <a:schemeClr val="tx1"/>
+            </a:fontRef>
+          </p:style>
+          <p:txBody>
+            <a:bodyPr rtlCol="0" anchor="ctr"/>
+            <a:lstStyle/>
+            <a:p>
+              <a:pPr algn="ctr"/>
+              <a:endParaRPr lang="en-US"/>
+            </a:p>
+          </p:txBody>
+        </p:sp>
+        <p:sp>
+          <p:nvSpPr>
+            <p:cNvPr id="8" name="Freeform 7">
+              <a:extLst>
+                <a:ext uri="{FF2B5EF4-FFF2-40B4-BE49-F238E27FC236}">
+                  <a16:creationId xmlns:a16="http://schemas.microsoft.com/office/drawing/2014/main" id="{A1FB6856-700D-4340-88B5-C77FDDE8C723}"/>
+                </a:ext>
+              </a:extLst>
+            </p:cNvPr>
+            <p:cNvSpPr/>
+            <p:nvPr/>
+          </p:nvSpPr>
+          <p:spPr>
+            <a:xfrm>
+              <a:off x="4195173" y="1271752"/>
+              <a:ext cx="450399" cy="2501462"/>
+            </a:xfrm>
+            <a:custGeom>
+              <a:avLst/>
+              <a:gdLst>
+                <a:gd name="connsiteX0" fmla="*/ 450399 w 450399"/>
+                <a:gd name="connsiteY0" fmla="*/ 0 h 2501462"/>
+                <a:gd name="connsiteX1" fmla="*/ 19475 w 450399"/>
+                <a:gd name="connsiteY1" fmla="*/ 1460938 h 2501462"/>
+                <a:gd name="connsiteX2" fmla="*/ 114068 w 450399"/>
+                <a:gd name="connsiteY2" fmla="*/ 2501462 h 2501462"/>
+              </a:gdLst>
+              <a:ahLst/>
+              <a:cxnLst>
+                <a:cxn ang="0">
+                  <a:pos x="connsiteX0" y="connsiteY0"/>
+                </a:cxn>
+                <a:cxn ang="0">
+                  <a:pos x="connsiteX1" y="connsiteY1"/>
+                </a:cxn>
+                <a:cxn ang="0">
+                  <a:pos x="connsiteX2" y="connsiteY2"/>
+                </a:cxn>
+              </a:cxnLst>
+              <a:rect l="l" t="t" r="r" b="b"/>
+              <a:pathLst>
+                <a:path w="450399" h="2501462">
+                  <a:moveTo>
+                    <a:pt x="450399" y="0"/>
+                  </a:moveTo>
+                  <a:cubicBezTo>
+                    <a:pt x="262964" y="522014"/>
+                    <a:pt x="75530" y="1044028"/>
+                    <a:pt x="19475" y="1460938"/>
+                  </a:cubicBezTo>
+                  <a:cubicBezTo>
+                    <a:pt x="-36580" y="1877848"/>
+                    <a:pt x="38744" y="2189655"/>
+                    <a:pt x="114068" y="2501462"/>
+                  </a:cubicBezTo>
+                </a:path>
+              </a:pathLst>
+            </a:custGeom>
+            <a:noFill/>
+            <a:ln>
+              <a:headEnd type="none" w="med" len="med"/>
+              <a:tailEnd type="arrow" w="med" len="med"/>
+            </a:ln>
+          </p:spPr>
+          <p:style>
+            <a:lnRef idx="2">
+              <a:schemeClr val="accent1">
+                <a:shade val="50000"/>
+              </a:schemeClr>
+            </a:lnRef>
+            <a:fillRef idx="1">
+              <a:schemeClr val="accent1"/>
+            </a:fillRef>
+            <a:effectRef idx="0">
+              <a:schemeClr val="accent1"/>
+            </a:effectRef>
+            <a:fontRef idx="minor">
+              <a:schemeClr val="lt1"/>
+            </a:fontRef>
+          </p:style>
+          <p:txBody>
+            <a:bodyPr rtlCol="0" anchor="ctr"/>
+            <a:lstStyle/>
+            <a:p>
+              <a:pPr algn="ctr"/>
+              <a:endParaRPr lang="en-US" dirty="0"/>
+            </a:p>
+          </p:txBody>
+        </p:sp>
+      </p:grpSp>
+      <p:grpSp>
+        <p:nvGrpSpPr>
+          <p:cNvPr id="18" name="Group 17">
+            <a:extLst>
+              <a:ext uri="{FF2B5EF4-FFF2-40B4-BE49-F238E27FC236}">
+                <a16:creationId xmlns:a16="http://schemas.microsoft.com/office/drawing/2014/main" id="{3DF91DC0-480A-F04B-BA80-147E9758FA6D}"/>
+              </a:ext>
+            </a:extLst>
+          </p:cNvPr>
+          <p:cNvGrpSpPr/>
+          <p:nvPr/>
+        </p:nvGrpSpPr>
+        <p:grpSpPr>
+          <a:xfrm>
+            <a:off x="4991064" y="3582103"/>
+            <a:ext cx="4045501" cy="772832"/>
+            <a:chOff x="1645269" y="801513"/>
+            <a:chExt cx="4045501" cy="772832"/>
+          </a:xfrm>
+        </p:grpSpPr>
+        <p:sp>
+          <p:nvSpPr>
+            <p:cNvPr id="19" name="Left Brace 18">
+              <a:extLst>
+                <a:ext uri="{FF2B5EF4-FFF2-40B4-BE49-F238E27FC236}">
+                  <a16:creationId xmlns:a16="http://schemas.microsoft.com/office/drawing/2014/main" id="{BC20E5E9-9ACA-9D4F-8633-B5F65070D41E}"/>
+                </a:ext>
+              </a:extLst>
+            </p:cNvPr>
+            <p:cNvSpPr/>
+            <p:nvPr/>
+          </p:nvSpPr>
+          <p:spPr>
+            <a:xfrm rot="16200000">
+              <a:off x="3585370" y="-1138588"/>
+              <a:ext cx="165299" cy="4045501"/>
+            </a:xfrm>
+            <a:prstGeom prst="leftBrace">
+              <a:avLst/>
+            </a:prstGeom>
+          </p:spPr>
+          <p:style>
+            <a:lnRef idx="1">
+              <a:schemeClr val="accent1"/>
+            </a:lnRef>
+            <a:fillRef idx="0">
+              <a:schemeClr val="accent1"/>
+            </a:fillRef>
+            <a:effectRef idx="0">
+              <a:schemeClr val="accent1"/>
+            </a:effectRef>
+            <a:fontRef idx="minor">
+              <a:schemeClr val="tx1"/>
+            </a:fontRef>
+          </p:style>
+          <p:txBody>
+            <a:bodyPr rtlCol="0" anchor="ctr"/>
+            <a:lstStyle/>
+            <a:p>
+              <a:pPr algn="ctr"/>
+              <a:endParaRPr lang="en-US"/>
+            </a:p>
+          </p:txBody>
+        </p:sp>
+        <p:sp>
+          <p:nvSpPr>
+            <p:cNvPr id="20" name="Freeform 19">
+              <a:extLst>
+                <a:ext uri="{FF2B5EF4-FFF2-40B4-BE49-F238E27FC236}">
+                  <a16:creationId xmlns:a16="http://schemas.microsoft.com/office/drawing/2014/main" id="{4BEB65FB-AAA9-0D4A-B1DE-10EE485CAF45}"/>
+                </a:ext>
+              </a:extLst>
+            </p:cNvPr>
+            <p:cNvSpPr/>
+            <p:nvPr/>
+          </p:nvSpPr>
+          <p:spPr>
+            <a:xfrm rot="3104996" flipH="1">
+              <a:off x="3317735" y="1031678"/>
+              <a:ext cx="320600" cy="764733"/>
+            </a:xfrm>
+            <a:custGeom>
+              <a:avLst/>
+              <a:gdLst>
+                <a:gd name="connsiteX0" fmla="*/ 450399 w 450399"/>
+                <a:gd name="connsiteY0" fmla="*/ 0 h 2501462"/>
+                <a:gd name="connsiteX1" fmla="*/ 19475 w 450399"/>
+                <a:gd name="connsiteY1" fmla="*/ 1460938 h 2501462"/>
+                <a:gd name="connsiteX2" fmla="*/ 114068 w 450399"/>
+                <a:gd name="connsiteY2" fmla="*/ 2501462 h 2501462"/>
+              </a:gdLst>
+              <a:ahLst/>
+              <a:cxnLst>
+                <a:cxn ang="0">
+                  <a:pos x="connsiteX0" y="connsiteY0"/>
+                </a:cxn>
+                <a:cxn ang="0">
+                  <a:pos x="connsiteX1" y="connsiteY1"/>
+                </a:cxn>
+                <a:cxn ang="0">
+                  <a:pos x="connsiteX2" y="connsiteY2"/>
+                </a:cxn>
+              </a:cxnLst>
+              <a:rect l="l" t="t" r="r" b="b"/>
+              <a:pathLst>
+                <a:path w="450399" h="2501462">
+                  <a:moveTo>
+                    <a:pt x="450399" y="0"/>
+                  </a:moveTo>
+                  <a:cubicBezTo>
+                    <a:pt x="262964" y="522014"/>
+                    <a:pt x="75530" y="1044028"/>
+                    <a:pt x="19475" y="1460938"/>
+                  </a:cubicBezTo>
+                  <a:cubicBezTo>
+                    <a:pt x="-36580" y="1877848"/>
+                    <a:pt x="38744" y="2189655"/>
+                    <a:pt x="114068" y="2501462"/>
+                  </a:cubicBezTo>
+                </a:path>
+              </a:pathLst>
+            </a:custGeom>
+            <a:noFill/>
+            <a:ln>
+              <a:headEnd type="none" w="med" len="med"/>
+              <a:tailEnd type="arrow" w="med" len="med"/>
+            </a:ln>
+          </p:spPr>
+          <p:style>
+            <a:lnRef idx="2">
+              <a:schemeClr val="accent1">
+                <a:shade val="50000"/>
+              </a:schemeClr>
+            </a:lnRef>
+            <a:fillRef idx="1">
+              <a:schemeClr val="accent1"/>
+            </a:fillRef>
+            <a:effectRef idx="0">
+              <a:schemeClr val="accent1"/>
+            </a:effectRef>
+            <a:fontRef idx="minor">
+              <a:schemeClr val="lt1"/>
+            </a:fontRef>
+          </p:style>
+          <p:txBody>
+            <a:bodyPr rtlCol="0" anchor="ctr"/>
+            <a:lstStyle/>
+            <a:p>
+              <a:pPr algn="ctr"/>
+              <a:endParaRPr lang="en-US" dirty="0"/>
+            </a:p>
+          </p:txBody>
+        </p:sp>
+      </p:grpSp>
     </p:spTree>
     <p:extLst>
       <p:ext uri="{BB962C8B-B14F-4D97-AF65-F5344CB8AC3E}">
@@ -8398,6 +9426,33 @@
                                       </p:cBhvr>
                                       <p:to>
                                         <p:strVal val="hidden"/>
+                                      </p:to>
+                                    </p:set>
+                                  </p:childTnLst>
+                                </p:cTn>
+                              </p:par>
+                              <p:par>
+                                <p:cTn id="11" presetID="1" presetClass="entr" presetSubtype="0" fill="hold" nodeType="withEffect">
+                                  <p:stCondLst>
+                                    <p:cond delay="0"/>
+                                  </p:stCondLst>
+                                  <p:childTnLst>
+                                    <p:set>
+                                      <p:cBhvr>
+                                        <p:cTn id="12" dur="1" fill="hold">
+                                          <p:stCondLst>
+                                            <p:cond delay="0"/>
+                                          </p:stCondLst>
+                                        </p:cTn>
+                                        <p:tgtEl>
+                                          <p:spTgt spid="18"/>
+                                        </p:tgtEl>
+                                        <p:attrNameLst>
+                                          <p:attrName>style.visibility</p:attrName>
+                                        </p:attrNameLst>
+                                      </p:cBhvr>
+                                      <p:to>
+                                        <p:strVal val="visible"/>
                                       </p:to>
                                     </p:set>
                                   </p:childTnLst>

--- a/clases/Cap02_Extraccion_de_Caracteristicas/presentations/PAT02_IntensityFeatures.pptx
+++ b/clases/Cap02_Extraccion_de_Caracteristicas/presentations/PAT02_IntensityFeatures.pptx
@@ -215,7 +215,7 @@
             <a:fld id="{6331132F-6757-456E-A169-DFC25AF282F4}" type="datetimeFigureOut">
               <a:rPr lang="es-CL" smtClean="0"/>
               <a:pPr/>
-              <a:t>18-03-20</a:t>
+              <a:t>12-04-22</a:t>
             </a:fld>
             <a:endParaRPr lang="es-CL"/>
           </a:p>
@@ -756,7 +756,7 @@
             <a:fld id="{CBB330BB-3945-4562-998B-13630C30D4E7}" type="datetimeFigureOut">
               <a:rPr lang="es-CL" smtClean="0"/>
               <a:pPr/>
-              <a:t>18-03-20</a:t>
+              <a:t>12-04-22</a:t>
             </a:fld>
             <a:endParaRPr lang="es-CL"/>
           </a:p>
@@ -923,7 +923,7 @@
             <a:fld id="{CBB330BB-3945-4562-998B-13630C30D4E7}" type="datetimeFigureOut">
               <a:rPr lang="es-CL" smtClean="0"/>
               <a:pPr/>
-              <a:t>18-03-20</a:t>
+              <a:t>12-04-22</a:t>
             </a:fld>
             <a:endParaRPr lang="es-CL"/>
           </a:p>
@@ -1100,7 +1100,7 @@
             <a:fld id="{CBB330BB-3945-4562-998B-13630C30D4E7}" type="datetimeFigureOut">
               <a:rPr lang="es-CL" smtClean="0"/>
               <a:pPr/>
-              <a:t>18-03-20</a:t>
+              <a:t>12-04-22</a:t>
             </a:fld>
             <a:endParaRPr lang="es-CL"/>
           </a:p>
@@ -1267,7 +1267,7 @@
             <a:fld id="{CBB330BB-3945-4562-998B-13630C30D4E7}" type="datetimeFigureOut">
               <a:rPr lang="es-CL" smtClean="0"/>
               <a:pPr/>
-              <a:t>18-03-20</a:t>
+              <a:t>12-04-22</a:t>
             </a:fld>
             <a:endParaRPr lang="es-CL"/>
           </a:p>
@@ -1510,7 +1510,7 @@
             <a:fld id="{CBB330BB-3945-4562-998B-13630C30D4E7}" type="datetimeFigureOut">
               <a:rPr lang="es-CL" smtClean="0"/>
               <a:pPr/>
-              <a:t>18-03-20</a:t>
+              <a:t>12-04-22</a:t>
             </a:fld>
             <a:endParaRPr lang="es-CL"/>
           </a:p>
@@ -1795,7 +1795,7 @@
             <a:fld id="{CBB330BB-3945-4562-998B-13630C30D4E7}" type="datetimeFigureOut">
               <a:rPr lang="es-CL" smtClean="0"/>
               <a:pPr/>
-              <a:t>18-03-20</a:t>
+              <a:t>12-04-22</a:t>
             </a:fld>
             <a:endParaRPr lang="es-CL"/>
           </a:p>
@@ -2214,7 +2214,7 @@
             <a:fld id="{CBB330BB-3945-4562-998B-13630C30D4E7}" type="datetimeFigureOut">
               <a:rPr lang="es-CL" smtClean="0"/>
               <a:pPr/>
-              <a:t>18-03-20</a:t>
+              <a:t>12-04-22</a:t>
             </a:fld>
             <a:endParaRPr lang="es-CL"/>
           </a:p>
@@ -2329,7 +2329,7 @@
             <a:fld id="{CBB330BB-3945-4562-998B-13630C30D4E7}" type="datetimeFigureOut">
               <a:rPr lang="es-CL" smtClean="0"/>
               <a:pPr/>
-              <a:t>18-03-20</a:t>
+              <a:t>12-04-22</a:t>
             </a:fld>
             <a:endParaRPr lang="es-CL"/>
           </a:p>
@@ -2421,7 +2421,7 @@
             <a:fld id="{CBB330BB-3945-4562-998B-13630C30D4E7}" type="datetimeFigureOut">
               <a:rPr lang="es-CL" smtClean="0"/>
               <a:pPr/>
-              <a:t>18-03-20</a:t>
+              <a:t>12-04-22</a:t>
             </a:fld>
             <a:endParaRPr lang="es-CL"/>
           </a:p>
@@ -2695,7 +2695,7 @@
             <a:fld id="{CBB330BB-3945-4562-998B-13630C30D4E7}" type="datetimeFigureOut">
               <a:rPr lang="es-CL" smtClean="0"/>
               <a:pPr/>
-              <a:t>18-03-20</a:t>
+              <a:t>12-04-22</a:t>
             </a:fld>
             <a:endParaRPr lang="es-CL"/>
           </a:p>
@@ -2945,7 +2945,7 @@
             <a:fld id="{CBB330BB-3945-4562-998B-13630C30D4E7}" type="datetimeFigureOut">
               <a:rPr lang="es-CL" smtClean="0"/>
               <a:pPr/>
-              <a:t>18-03-20</a:t>
+              <a:t>12-04-22</a:t>
             </a:fld>
             <a:endParaRPr lang="es-CL"/>
           </a:p>
@@ -3155,7 +3155,7 @@
             <a:fld id="{CBB330BB-3945-4562-998B-13630C30D4E7}" type="datetimeFigureOut">
               <a:rPr lang="es-CL" smtClean="0"/>
               <a:pPr/>
-              <a:t>18-03-20</a:t>
+              <a:t>12-04-22</a:t>
             </a:fld>
             <a:endParaRPr lang="es-CL"/>
           </a:p>
@@ -3893,7 +3893,7 @@
                 </a:solidFill>
                 <a:latin typeface="Trebuchet MS" pitchFamily="34" charset="0"/>
               </a:rPr>
-              <a:t>Departmento de Ciencia de la Computación</a:t>
+              <a:t>Departamento de Ciencia de la Computación</a:t>
             </a:r>
           </a:p>
           <a:p>
@@ -5503,7 +5503,7 @@
           <a:graphicData uri="http://schemas.openxmlformats.org/presentationml/2006/ole">
             <mc:AlternateContent xmlns:mc="http://schemas.openxmlformats.org/markup-compatibility/2006">
               <mc:Choice xmlns:v="urn:schemas-microsoft-com:vml" Requires="v">
-                <p:oleObj spid="_x0000_s19465" name="Equation" r:id="rId7" imgW="114300" imgH="165100" progId="Equation.3">
+                <p:oleObj spid="_x0000_s19467" name="Equation" r:id="rId7" imgW="114300" imgH="165100" progId="Equation.3">
                   <p:embed/>
                 </p:oleObj>
               </mc:Choice>
